--- a/Presentation.pptx
+++ b/Presentation.pptx
@@ -4,6 +4,9 @@
   <p:sldMasterIdLst>
     <p:sldMasterId id="2147483648" r:id="rId1"/>
   </p:sldMasterIdLst>
+  <p:notesMasterIdLst>
+    <p:notesMasterId r:id="rId14"/>
+  </p:notesMasterIdLst>
   <p:sldIdLst>
     <p:sldId id="256" r:id="rId2"/>
     <p:sldId id="257" r:id="rId3"/>
@@ -18,10 +21,7 @@
     <p:sldId id="266" r:id="rId12"/>
     <p:sldId id="267" r:id="rId13"/>
   </p:sldIdLst>
-  <p:notesMasterIdLst>
-    <p:notesMasterId r:id="rId14"/>
-  </p:notesMasterIdLst>
-  <p:sldSz cx="9144000" cy="5143500"/>
+  <p:sldSz cx="9144000" cy="5143500" type="screen16x9"/>
   <p:notesSz cx="5143500" cy="9144000"/>
   <p:defaultTextStyle>
     <a:lvl1pPr marL="0" algn="l" defTabSz="914400" rtl="0" eaLnBrk="1" latinLnBrk="0" hangingPunct="1">
@@ -115,7 +115,20 @@
       </a:defRPr>
     </a:lvl9pPr>
   </p:defaultTextStyle>
+  <p:extLst>
+    <p:ext uri="{EFAFB233-063F-42B5-8137-9DF3F51BA10A}">
+      <p15:sldGuideLst xmlns:p15="http://schemas.microsoft.com/office/powerpoint/2012/main"/>
+    </p:ext>
+  </p:extLst>
 </p:presentation>
+</file>
+
+<file path=ppt/revisionInfo.xml><?xml version="1.0" encoding="utf-8"?>
+<p1510:revInfo xmlns:a="http://schemas.openxmlformats.org/drawingml/2006/main" xmlns:r="http://schemas.openxmlformats.org/officeDocument/2006/relationships" xmlns:p1510="http://schemas.microsoft.com/office/powerpoint/2015/10/main">
+  <p1510:revLst>
+    <p1510:client id="{C24A983A-936A-4FE4-A137-A7253146ECF0}" v="69" dt="2026-02-22T05:47:10.844"/>
+  </p1510:revLst>
+</p1510:revInfo>
 </file>
 
 <file path=ppt/notesMasters/notesMaster1.xml><?xml version="1.0" encoding="utf-8"?>
@@ -153,7 +166,7 @@
         <p:spPr>
           <a:xfrm>
             <a:off x="0" y="0"/>
-            <a:ext cx="2971800" cy="458788"/>
+            <a:ext cx="2228850" cy="458788"/>
           </a:xfrm>
           <a:prstGeom prst="rect">
             <a:avLst/>
@@ -183,8 +196,8 @@
         </p:nvSpPr>
         <p:spPr>
           <a:xfrm>
-            <a:off x="3884613" y="0"/>
-            <a:ext cx="2971800" cy="458788"/>
+            <a:off x="2913063" y="0"/>
+            <a:ext cx="2228850" cy="458788"/>
           </a:xfrm>
           <a:prstGeom prst="rect">
             <a:avLst/>
@@ -198,9 +211,8 @@
             </a:lvl1pPr>
           </a:lstStyle>
           <a:p>
-            <a:fld id="{5282F153-3F37-0F45-9E97-73ACFA13230C}" type="datetimeFigureOut">
-              <a:rPr lang="en-US"/>
-              <a:t>7/23/19</a:t>
+            <a:fld id="{8DB54013-3BA0-4DE3-A52D-3CD746B5A8BE}" type="datetimeFigureOut">
+              <a:t>2/21/2026</a:t>
             </a:fld>
             <a:endParaRPr lang="en-US"/>
           </a:p>
@@ -218,7 +230,7 @@
         </p:nvSpPr>
         <p:spPr>
           <a:xfrm>
-            <a:off x="685800" y="1143000"/>
+            <a:off x="-171450" y="1143000"/>
             <a:ext cx="5486400" cy="3086100"/>
           </a:xfrm>
           <a:prstGeom prst="rect">
@@ -251,8 +263,8 @@
         </p:nvSpPr>
         <p:spPr>
           <a:xfrm>
-            <a:off x="685800" y="4400550"/>
-            <a:ext cx="5486400" cy="3600450"/>
+            <a:off x="514350" y="4400550"/>
+            <a:ext cx="4114800" cy="3600450"/>
           </a:xfrm>
           <a:prstGeom prst="rect">
             <a:avLst/>
@@ -311,7 +323,7 @@
         <p:spPr>
           <a:xfrm>
             <a:off x="0" y="8685213"/>
-            <a:ext cx="2971800" cy="458787"/>
+            <a:ext cx="2228850" cy="458787"/>
           </a:xfrm>
           <a:prstGeom prst="rect">
             <a:avLst/>
@@ -341,8 +353,8 @@
         </p:nvSpPr>
         <p:spPr>
           <a:xfrm>
-            <a:off x="3884613" y="8685213"/>
-            <a:ext cx="2971800" cy="458787"/>
+            <a:off x="2913063" y="8685213"/>
+            <a:ext cx="2228850" cy="458787"/>
           </a:xfrm>
           <a:prstGeom prst="rect">
             <a:avLst/>
@@ -356,8 +368,7 @@
             </a:lvl1pPr>
           </a:lstStyle>
           <a:p>
-            <a:fld id="{CE5E9CC1-C706-0F49-92D6-E571CC5EEA8F}" type="slidenum">
-              <a:rPr lang="en-US"/>
+            <a:fld id="{C2FB8A9C-D030-418D-9615-F5F17DC526E0}" type="slidenum">
               <a:t>‹#›</a:t>
             </a:fld>
             <a:endParaRPr lang="en-US"/>
@@ -367,7 +378,7 @@
     </p:spTree>
     <p:extLst>
       <p:ext uri="{BB962C8B-B14F-4D97-AF65-F5344CB8AC3E}">
-        <p14:creationId xmlns:p14="http://schemas.microsoft.com/office/powerpoint/2010/main" val="1024086991"/>
+        <p14:creationId xmlns:p14="http://schemas.microsoft.com/office/powerpoint/2010/main" val="3145842118"/>
       </p:ext>
     </p:extLst>
   </p:cSld>
@@ -511,10 +522,6 @@
           <a:bodyPr/>
           <a:lstStyle/>
           <a:p>
-            <a:r>
-              <a:rPr lang="en-US" dirty="0"/>
-              <a:t/>
-            </a:r>
             <a:endParaRPr lang="en-US" dirty="0"/>
           </a:p>
         </p:txBody>
@@ -599,10 +606,6 @@
           <a:bodyPr/>
           <a:lstStyle/>
           <a:p>
-            <a:r>
-              <a:rPr lang="en-US" dirty="0"/>
-              <a:t/>
-            </a:r>
             <a:endParaRPr lang="en-US" dirty="0"/>
           </a:p>
         </p:txBody>
@@ -687,10 +690,6 @@
           <a:bodyPr/>
           <a:lstStyle/>
           <a:p>
-            <a:r>
-              <a:rPr lang="en-US" dirty="0"/>
-              <a:t/>
-            </a:r>
             <a:endParaRPr lang="en-US" dirty="0"/>
           </a:p>
         </p:txBody>
@@ -775,10 +774,6 @@
           <a:bodyPr/>
           <a:lstStyle/>
           <a:p>
-            <a:r>
-              <a:rPr lang="en-US" dirty="0"/>
-              <a:t/>
-            </a:r>
             <a:endParaRPr lang="en-US" dirty="0"/>
           </a:p>
         </p:txBody>
@@ -863,10 +858,6 @@
           <a:bodyPr/>
           <a:lstStyle/>
           <a:p>
-            <a:r>
-              <a:rPr lang="en-US" dirty="0"/>
-              <a:t/>
-            </a:r>
             <a:endParaRPr lang="en-US" dirty="0"/>
           </a:p>
         </p:txBody>
@@ -951,10 +942,6 @@
           <a:bodyPr/>
           <a:lstStyle/>
           <a:p>
-            <a:r>
-              <a:rPr lang="en-US" dirty="0"/>
-              <a:t/>
-            </a:r>
             <a:endParaRPr lang="en-US" dirty="0"/>
           </a:p>
         </p:txBody>
@@ -1039,10 +1026,6 @@
           <a:bodyPr/>
           <a:lstStyle/>
           <a:p>
-            <a:r>
-              <a:rPr lang="en-US" dirty="0"/>
-              <a:t/>
-            </a:r>
             <a:endParaRPr lang="en-US" dirty="0"/>
           </a:p>
         </p:txBody>
@@ -1127,10 +1110,6 @@
           <a:bodyPr/>
           <a:lstStyle/>
           <a:p>
-            <a:r>
-              <a:rPr lang="en-US" dirty="0"/>
-              <a:t/>
-            </a:r>
             <a:endParaRPr lang="en-US" dirty="0"/>
           </a:p>
         </p:txBody>
@@ -1215,10 +1194,6 @@
           <a:bodyPr/>
           <a:lstStyle/>
           <a:p>
-            <a:r>
-              <a:rPr lang="en-US" dirty="0"/>
-              <a:t/>
-            </a:r>
             <a:endParaRPr lang="en-US" dirty="0"/>
           </a:p>
         </p:txBody>
@@ -1303,10 +1278,6 @@
           <a:bodyPr/>
           <a:lstStyle/>
           <a:p>
-            <a:r>
-              <a:rPr lang="en-US" dirty="0"/>
-              <a:t/>
-            </a:r>
             <a:endParaRPr lang="en-US" dirty="0"/>
           </a:p>
         </p:txBody>
@@ -1391,10 +1362,6 @@
           <a:bodyPr/>
           <a:lstStyle/>
           <a:p>
-            <a:r>
-              <a:rPr lang="en-US" dirty="0"/>
-              <a:t/>
-            </a:r>
             <a:endParaRPr lang="en-US" dirty="0"/>
           </a:p>
         </p:txBody>
@@ -1479,10 +1446,6 @@
           <a:bodyPr/>
           <a:lstStyle/>
           <a:p>
-            <a:r>
-              <a:rPr lang="en-US" dirty="0"/>
-              <a:t/>
-            </a:r>
             <a:endParaRPr lang="en-US" dirty="0"/>
           </a:p>
         </p:txBody>
@@ -1556,6 +1519,11 @@
 <file path=ppt/slideMasters/slideMaster1.xml><?xml version="1.0" encoding="utf-8"?>
 <p:sldMaster xmlns:a="http://schemas.openxmlformats.org/drawingml/2006/main" xmlns:r="http://schemas.openxmlformats.org/officeDocument/2006/relationships" xmlns:p="http://schemas.openxmlformats.org/presentationml/2006/main">
   <p:cSld>
+    <p:bg>
+      <p:bgRef idx="1001">
+        <a:schemeClr val="bg1"/>
+      </p:bgRef>
+    </p:bg>
     <p:spTree>
       <p:nvGrpSpPr>
         <p:cNvPr id="1" name=""/>
@@ -1838,6 +1806,7 @@
         <a:solidFill>
           <a:srgbClr val="D8D5C9"/>
         </a:solidFill>
+        <a:effectLst/>
       </p:bgPr>
     </p:bg>
     <p:spTree>
@@ -1856,15 +1825,15 @@
       </p:grpSpPr>
       <p:pic>
         <p:nvPicPr>
-          <p:cNvPr id="2" name="Image 0" descr="preencoded.png">    </p:cNvPr>
+          <p:cNvPr id="2" name="Image 0" descr="preencoded.png"/>
           <p:cNvPicPr>
             <a:picLocks noChangeAspect="1"/>
           </p:cNvPicPr>
           <p:nvPr/>
         </p:nvPicPr>
         <p:blipFill>
-          <a:blip r:embed="rId1"/>
-          <a:srcRect l="0" r="0" t="0" b="0"/>
+          <a:blip r:embed="rId3"/>
+          <a:srcRect/>
           <a:stretch/>
         </p:blipFill>
         <p:spPr>
@@ -1879,15 +1848,15 @@
       </p:pic>
       <p:pic>
         <p:nvPicPr>
-          <p:cNvPr id="3" name="Image 1" descr="preencoded.png">    </p:cNvPr>
+          <p:cNvPr id="3" name="Image 1" descr="preencoded.png"/>
           <p:cNvPicPr>
             <a:picLocks noChangeAspect="1"/>
           </p:cNvPicPr>
           <p:nvPr/>
         </p:nvPicPr>
         <p:blipFill>
-          <a:blip r:embed="rId2"/>
-          <a:srcRect l="0" r="0" t="0" b="0"/>
+          <a:blip r:embed="rId4"/>
+          <a:srcRect/>
           <a:stretch/>
         </p:blipFill>
         <p:spPr>
@@ -1902,15 +1871,15 @@
       </p:pic>
       <p:pic>
         <p:nvPicPr>
-          <p:cNvPr id="4" name="Image 2" descr="preencoded.png">    </p:cNvPr>
+          <p:cNvPr id="4" name="Image 2" descr="preencoded.png"/>
           <p:cNvPicPr>
             <a:picLocks noChangeAspect="1"/>
           </p:cNvPicPr>
           <p:nvPr/>
         </p:nvPicPr>
         <p:blipFill>
-          <a:blip r:embed="rId3"/>
-          <a:srcRect l="0" r="0" t="0" b="0"/>
+          <a:blip r:embed="rId5"/>
+          <a:srcRect/>
           <a:stretch/>
         </p:blipFill>
         <p:spPr>
@@ -1944,14 +1913,14 @@
           <a:bodyPr wrap="square" lIns="0" tIns="0" rIns="0" bIns="0" rtlCol="0" anchor="ctr"/>
           <a:lstStyle/>
           <a:p>
-            <a:pPr algn="l" indent="0" marL="0">
+            <a:pPr marL="0" indent="0" algn="l">
               <a:lnSpc>
                 <a:spcPts val="1893"/>
               </a:lnSpc>
               <a:buNone/>
             </a:pPr>
             <a:r>
-              <a:rPr lang="en-US" sz="1577" spc="-32" kern="0" dirty="0">
+              <a:rPr lang="en-US" sz="1577" kern="0" spc="-32" dirty="0">
                 <a:solidFill>
                   <a:srgbClr val="5D5949">
                     <a:alpha val="99000"/>
@@ -1988,14 +1957,14 @@
           <a:bodyPr wrap="square" lIns="0" tIns="0" rIns="0" bIns="0" rtlCol="0" anchor="ctr"/>
           <a:lstStyle/>
           <a:p>
-            <a:pPr algn="l" indent="0" marL="0">
+            <a:pPr marL="0" indent="0" algn="l">
               <a:lnSpc>
                 <a:spcPts val="4275"/>
               </a:lnSpc>
               <a:buNone/>
             </a:pPr>
             <a:r>
-              <a:rPr lang="en-US" sz="4275" spc="-214" kern="0" dirty="0">
+              <a:rPr lang="en-US" sz="4275" kern="0" spc="-214" dirty="0">
                 <a:solidFill>
                   <a:srgbClr val="090909">
                     <a:alpha val="99000"/>
@@ -2010,14 +1979,14 @@
             <a:endParaRPr lang="en-US" sz="4275" dirty="0"/>
           </a:p>
           <a:p>
-            <a:pPr algn="l" indent="0" marL="0">
+            <a:pPr marL="0" indent="0" algn="l">
               <a:lnSpc>
                 <a:spcPts val="4275"/>
               </a:lnSpc>
               <a:buNone/>
             </a:pPr>
             <a:r>
-              <a:rPr lang="en-US" sz="4275" spc="-214" kern="0" dirty="0">
+              <a:rPr lang="en-US" sz="4275" kern="0" spc="-214" dirty="0">
                 <a:solidFill>
                   <a:srgbClr val="090909">
                     <a:alpha val="99000"/>
@@ -2049,6 +2018,7 @@
         <a:solidFill>
           <a:srgbClr val="EEEEE7"/>
         </a:solidFill>
+        <a:effectLst/>
       </p:bgPr>
     </p:bg>
     <p:spTree>
@@ -2095,7 +2065,7 @@
           <p:nvPr/>
         </p:nvSpPr>
         <p:spPr>
-          <a:xfrm rot="0">
+          <a:xfrm>
             <a:off x="304800" y="3043238"/>
             <a:ext cx="8539163" cy="0"/>
           </a:xfrm>
@@ -2113,15 +2083,15 @@
       </p:sp>
       <p:pic>
         <p:nvPicPr>
-          <p:cNvPr id="4" name="Image 0" descr="preencoded.png">    </p:cNvPr>
+          <p:cNvPr id="4" name="Image 0" descr="preencoded.png"/>
           <p:cNvPicPr>
             <a:picLocks noChangeAspect="1"/>
           </p:cNvPicPr>
           <p:nvPr/>
         </p:nvPicPr>
         <p:blipFill>
-          <a:blip r:embed="rId1"/>
-          <a:srcRect l="0" r="0" t="0" b="0"/>
+          <a:blip r:embed="rId3"/>
+          <a:srcRect/>
           <a:stretch/>
         </p:blipFill>
         <p:spPr>
@@ -2196,15 +2166,15 @@
       </p:sp>
       <p:pic>
         <p:nvPicPr>
-          <p:cNvPr id="8" name="Image 1" descr="preencoded.png">    </p:cNvPr>
+          <p:cNvPr id="8" name="Image 1" descr="preencoded.png"/>
           <p:cNvPicPr>
             <a:picLocks noChangeAspect="1"/>
           </p:cNvPicPr>
           <p:nvPr/>
         </p:nvPicPr>
         <p:blipFill>
-          <a:blip r:embed="rId2"/>
-          <a:srcRect l="0" r="0" t="0" b="0"/>
+          <a:blip r:embed="rId3"/>
+          <a:srcRect/>
           <a:stretch/>
         </p:blipFill>
         <p:spPr>
@@ -2276,14 +2246,14 @@
           <a:bodyPr wrap="square" lIns="0" tIns="0" rIns="0" bIns="0" rtlCol="0" anchor="ctr"/>
           <a:lstStyle/>
           <a:p>
-            <a:pPr algn="l" indent="0" marL="0">
+            <a:pPr marL="0" indent="0" algn="l">
               <a:lnSpc>
                 <a:spcPts val="1646"/>
               </a:lnSpc>
               <a:buNone/>
             </a:pPr>
             <a:r>
-              <a:rPr lang="en-US" sz="1496" spc="-60" kern="0" dirty="0">
+              <a:rPr lang="en-US" sz="1496" kern="0" spc="-60" dirty="0">
                 <a:solidFill>
                   <a:srgbClr val="1E334C">
                     <a:alpha val="99000"/>
@@ -2320,14 +2290,14 @@
           <a:bodyPr wrap="square" lIns="0" tIns="0" rIns="0" bIns="0" rtlCol="0" anchor="ctr"/>
           <a:lstStyle/>
           <a:p>
-            <a:pPr algn="l" indent="0" marL="0">
+            <a:pPr marL="0" indent="0" algn="l">
               <a:lnSpc>
                 <a:spcPts val="1254"/>
               </a:lnSpc>
               <a:buNone/>
             </a:pPr>
             <a:r>
-              <a:rPr lang="en-US" sz="1140" b="1" spc="57" kern="0" dirty="0">
+              <a:rPr lang="en-US" sz="1140" b="1" kern="0" spc="57" dirty="0">
                 <a:solidFill>
                   <a:srgbClr val="1E334C">
                     <a:alpha val="99000"/>
@@ -2342,7 +2312,7 @@
             <a:endParaRPr lang="en-US" sz="1140" dirty="0"/>
           </a:p>
           <a:p>
-            <a:pPr algn="l" marL="342900" indent="-342900">
+            <a:pPr marL="342900" indent="-342900" algn="l">
               <a:lnSpc>
                 <a:spcPts val="1254"/>
               </a:lnSpc>
@@ -2350,7 +2320,7 @@
               <a:buChar char="•"/>
             </a:pPr>
             <a:r>
-              <a:rPr lang="en-US" sz="1140" spc="57" kern="0" dirty="0">
+              <a:rPr lang="en-US" sz="1140" kern="0" spc="57" dirty="0">
                 <a:solidFill>
                   <a:srgbClr val="1E334C">
                     <a:alpha val="99000"/>
@@ -2365,7 +2335,7 @@
             <a:endParaRPr lang="en-US" sz="1140" dirty="0"/>
           </a:p>
           <a:p>
-            <a:pPr algn="l" marL="342900" indent="-342900">
+            <a:pPr marL="342900" indent="-342900" algn="l">
               <a:lnSpc>
                 <a:spcPts val="1254"/>
               </a:lnSpc>
@@ -2373,7 +2343,7 @@
               <a:buChar char="•"/>
             </a:pPr>
             <a:r>
-              <a:rPr lang="en-US" sz="1140" spc="57" kern="0" dirty="0">
+              <a:rPr lang="en-US" sz="1140" kern="0" spc="57" dirty="0">
                 <a:solidFill>
                   <a:srgbClr val="1E334C">
                     <a:alpha val="99000"/>
@@ -2388,7 +2358,7 @@
             <a:endParaRPr lang="en-US" sz="1140" dirty="0"/>
           </a:p>
           <a:p>
-            <a:pPr algn="l" marL="342900" indent="-342900">
+            <a:pPr marL="342900" indent="-342900" algn="l">
               <a:lnSpc>
                 <a:spcPts val="1254"/>
               </a:lnSpc>
@@ -2396,7 +2366,7 @@
               <a:buChar char="•"/>
             </a:pPr>
             <a:r>
-              <a:rPr lang="en-US" sz="1140" spc="57" kern="0" dirty="0">
+              <a:rPr lang="en-US" sz="1140" kern="0" spc="57" dirty="0">
                 <a:solidFill>
                   <a:srgbClr val="1E334C">
                     <a:alpha val="99000"/>
@@ -2414,7 +2384,7 @@
       </p:sp>
       <p:pic>
         <p:nvPicPr>
-          <p:cNvPr id="13" name="Image 2" descr="preencoded.png">    </p:cNvPr>
+          <p:cNvPr id="13" name="Image 2" descr="preencoded.png"/>
           <p:cNvPicPr>
             <a:picLocks noChangeAspect="1"/>
           </p:cNvPicPr>
@@ -2422,7 +2392,7 @@
         </p:nvPicPr>
         <p:blipFill>
           <a:blip r:embed="rId3"/>
-          <a:srcRect l="0" r="0" t="0" b="0"/>
+          <a:srcRect/>
           <a:stretch/>
         </p:blipFill>
         <p:spPr>
@@ -2494,14 +2464,14 @@
           <a:bodyPr wrap="square" lIns="0" tIns="0" rIns="0" bIns="0" rtlCol="0" anchor="ctr"/>
           <a:lstStyle/>
           <a:p>
-            <a:pPr algn="l" indent="0" marL="0">
+            <a:pPr marL="0" indent="0" algn="l">
               <a:lnSpc>
                 <a:spcPts val="1646"/>
               </a:lnSpc>
               <a:buNone/>
             </a:pPr>
             <a:r>
-              <a:rPr lang="en-US" sz="1496" spc="-60" kern="0" dirty="0">
+              <a:rPr lang="en-US" sz="1496" kern="0" spc="-60" dirty="0">
                 <a:solidFill>
                   <a:srgbClr val="1E334C">
                     <a:alpha val="99000"/>
@@ -2556,14 +2526,14 @@
           <a:bodyPr wrap="square" lIns="0" tIns="0" rIns="0" bIns="0" rtlCol="0" anchor="ctr"/>
           <a:lstStyle/>
           <a:p>
-            <a:pPr algn="l" indent="0" marL="0">
+            <a:pPr marL="0" indent="0" algn="l">
               <a:lnSpc>
                 <a:spcPts val="1254"/>
               </a:lnSpc>
               <a:buNone/>
             </a:pPr>
             <a:r>
-              <a:rPr lang="en-US" sz="1140" b="1" spc="57" kern="0" dirty="0">
+              <a:rPr lang="en-US" sz="1140" b="1" kern="0" spc="57" dirty="0">
                 <a:solidFill>
                   <a:srgbClr val="1E334C">
                     <a:alpha val="99000"/>
@@ -2578,7 +2548,7 @@
             <a:endParaRPr lang="en-US" sz="1140" dirty="0"/>
           </a:p>
           <a:p>
-            <a:pPr algn="l" marL="342900" indent="-342900">
+            <a:pPr marL="342900" indent="-342900" algn="l">
               <a:lnSpc>
                 <a:spcPts val="1254"/>
               </a:lnSpc>
@@ -2586,7 +2556,7 @@
               <a:buChar char="•"/>
             </a:pPr>
             <a:r>
-              <a:rPr lang="en-US" sz="1140" spc="57" kern="0" dirty="0">
+              <a:rPr lang="en-US" sz="1140" kern="0" spc="57" dirty="0">
                 <a:solidFill>
                   <a:srgbClr val="1E334C">
                     <a:alpha val="99000"/>
@@ -2601,7 +2571,7 @@
             <a:endParaRPr lang="en-US" sz="1140" dirty="0"/>
           </a:p>
           <a:p>
-            <a:pPr algn="l" marL="342900" indent="-342900">
+            <a:pPr marL="342900" indent="-342900" algn="l">
               <a:lnSpc>
                 <a:spcPts val="1254"/>
               </a:lnSpc>
@@ -2609,7 +2579,7 @@
               <a:buChar char="•"/>
             </a:pPr>
             <a:r>
-              <a:rPr lang="en-US" sz="1140" spc="57" kern="0" dirty="0">
+              <a:rPr lang="en-US" sz="1140" kern="0" spc="57" dirty="0">
                 <a:solidFill>
                   <a:srgbClr val="1E334C">
                     <a:alpha val="99000"/>
@@ -2624,7 +2594,7 @@
             <a:endParaRPr lang="en-US" sz="1140" dirty="0"/>
           </a:p>
           <a:p>
-            <a:pPr algn="l" marL="342900" indent="-342900">
+            <a:pPr marL="342900" indent="-342900" algn="l">
               <a:lnSpc>
                 <a:spcPts val="1254"/>
               </a:lnSpc>
@@ -2632,7 +2602,7 @@
               <a:buChar char="•"/>
             </a:pPr>
             <a:r>
-              <a:rPr lang="en-US" sz="1140" spc="57" kern="0" dirty="0">
+              <a:rPr lang="en-US" sz="1140" kern="0" spc="57" dirty="0">
                 <a:solidFill>
                   <a:srgbClr val="1E334C">
                     <a:alpha val="99000"/>
@@ -2687,14 +2657,14 @@
           <a:bodyPr wrap="square" lIns="0" tIns="0" rIns="0" bIns="0" rtlCol="0" anchor="ctr"/>
           <a:lstStyle/>
           <a:p>
-            <a:pPr algn="l" indent="0" marL="0">
+            <a:pPr marL="0" indent="0" algn="l">
               <a:lnSpc>
                 <a:spcPts val="1646"/>
               </a:lnSpc>
               <a:buNone/>
             </a:pPr>
             <a:r>
-              <a:rPr lang="en-US" sz="1496" spc="-60" kern="0" dirty="0">
+              <a:rPr lang="en-US" sz="1496" kern="0" spc="-60" dirty="0">
                 <a:solidFill>
                   <a:srgbClr val="1E334C">
                     <a:alpha val="99000"/>
@@ -2749,14 +2719,14 @@
           <a:bodyPr wrap="square" lIns="0" tIns="0" rIns="0" bIns="0" rtlCol="0" anchor="ctr"/>
           <a:lstStyle/>
           <a:p>
-            <a:pPr algn="l" indent="0" marL="0">
+            <a:pPr marL="0" indent="0" algn="l">
               <a:lnSpc>
                 <a:spcPts val="1254"/>
               </a:lnSpc>
               <a:buNone/>
             </a:pPr>
             <a:r>
-              <a:rPr lang="en-US" sz="1140" b="1" spc="57" kern="0" dirty="0">
+              <a:rPr lang="en-US" sz="1140" b="1" kern="0" spc="57" dirty="0">
                 <a:solidFill>
                   <a:srgbClr val="1E334C">
                     <a:alpha val="99000"/>
@@ -2771,7 +2741,7 @@
             <a:endParaRPr lang="en-US" sz="1140" dirty="0"/>
           </a:p>
           <a:p>
-            <a:pPr algn="l" marL="342900" indent="-342900">
+            <a:pPr marL="342900" indent="-342900" algn="l">
               <a:lnSpc>
                 <a:spcPts val="1254"/>
               </a:lnSpc>
@@ -2779,7 +2749,7 @@
               <a:buChar char="•"/>
             </a:pPr>
             <a:r>
-              <a:rPr lang="en-US" sz="1140" spc="57" kern="0" dirty="0">
+              <a:rPr lang="en-US" sz="1140" kern="0" spc="57" dirty="0">
                 <a:solidFill>
                   <a:srgbClr val="1E334C">
                     <a:alpha val="99000"/>
@@ -2794,7 +2764,7 @@
             <a:endParaRPr lang="en-US" sz="1140" dirty="0"/>
           </a:p>
           <a:p>
-            <a:pPr algn="l" marL="342900" indent="-342900">
+            <a:pPr marL="342900" indent="-342900" algn="l">
               <a:lnSpc>
                 <a:spcPts val="1254"/>
               </a:lnSpc>
@@ -2802,7 +2772,7 @@
               <a:buChar char="•"/>
             </a:pPr>
             <a:r>
-              <a:rPr lang="en-US" sz="1140" spc="57" kern="0" dirty="0">
+              <a:rPr lang="en-US" sz="1140" kern="0" spc="57" dirty="0">
                 <a:solidFill>
                   <a:srgbClr val="1E334C">
                     <a:alpha val="99000"/>
@@ -2817,7 +2787,7 @@
             <a:endParaRPr lang="en-US" sz="1140" dirty="0"/>
           </a:p>
           <a:p>
-            <a:pPr algn="l" marL="342900" indent="-342900">
+            <a:pPr marL="342900" indent="-342900" algn="l">
               <a:lnSpc>
                 <a:spcPts val="1254"/>
               </a:lnSpc>
@@ -2825,7 +2795,7 @@
               <a:buChar char="•"/>
             </a:pPr>
             <a:r>
-              <a:rPr lang="en-US" sz="1140" spc="57" kern="0" dirty="0">
+              <a:rPr lang="en-US" sz="1140" kern="0" spc="57" dirty="0">
                 <a:solidFill>
                   <a:srgbClr val="1E334C">
                     <a:alpha val="99000"/>
@@ -2843,15 +2813,15 @@
       </p:sp>
       <p:pic>
         <p:nvPicPr>
-          <p:cNvPr id="23" name="Image 3" descr="preencoded.png">    </p:cNvPr>
+          <p:cNvPr id="23" name="Image 3" descr="preencoded.png"/>
           <p:cNvPicPr>
             <a:picLocks noChangeAspect="1"/>
           </p:cNvPicPr>
           <p:nvPr/>
         </p:nvPicPr>
         <p:blipFill>
-          <a:blip r:embed="rId4"/>
-          <a:srcRect l="0" r="0" t="0" b="0"/>
+          <a:blip r:embed="rId3"/>
+          <a:srcRect/>
           <a:stretch/>
         </p:blipFill>
         <p:spPr>
@@ -2923,14 +2893,14 @@
           <a:bodyPr wrap="square" lIns="0" tIns="0" rIns="0" bIns="0" rtlCol="0" anchor="ctr"/>
           <a:lstStyle/>
           <a:p>
-            <a:pPr algn="l" indent="0" marL="0">
+            <a:pPr marL="0" indent="0" algn="l">
               <a:lnSpc>
                 <a:spcPts val="1646"/>
               </a:lnSpc>
               <a:buNone/>
             </a:pPr>
             <a:r>
-              <a:rPr lang="en-US" sz="1496" spc="-60" kern="0" dirty="0">
+              <a:rPr lang="en-US" sz="1496" kern="0" spc="-60" dirty="0">
                 <a:solidFill>
                   <a:srgbClr val="1E334C">
                     <a:alpha val="99000"/>
@@ -2967,14 +2937,14 @@
           <a:bodyPr wrap="square" lIns="0" tIns="0" rIns="0" bIns="0" rtlCol="0" anchor="ctr"/>
           <a:lstStyle/>
           <a:p>
-            <a:pPr algn="l" indent="0" marL="0">
+            <a:pPr marL="0" indent="0" algn="l">
               <a:lnSpc>
                 <a:spcPts val="1254"/>
               </a:lnSpc>
               <a:buNone/>
             </a:pPr>
             <a:r>
-              <a:rPr lang="en-US" sz="1140" b="1" spc="57" kern="0" dirty="0">
+              <a:rPr lang="en-US" sz="1140" b="1" kern="0" spc="57" dirty="0">
                 <a:solidFill>
                   <a:srgbClr val="1E334C">
                     <a:alpha val="99000"/>
@@ -2989,7 +2959,7 @@
             <a:endParaRPr lang="en-US" sz="1140" dirty="0"/>
           </a:p>
           <a:p>
-            <a:pPr algn="l" marL="342900" indent="-342900">
+            <a:pPr marL="342900" indent="-342900" algn="l">
               <a:lnSpc>
                 <a:spcPts val="1254"/>
               </a:lnSpc>
@@ -2997,7 +2967,7 @@
               <a:buChar char="•"/>
             </a:pPr>
             <a:r>
-              <a:rPr lang="en-US" sz="1140" spc="57" kern="0" dirty="0">
+              <a:rPr lang="en-US" sz="1140" kern="0" spc="57" dirty="0">
                 <a:solidFill>
                   <a:srgbClr val="1E334C">
                     <a:alpha val="99000"/>
@@ -3012,7 +2982,7 @@
             <a:endParaRPr lang="en-US" sz="1140" dirty="0"/>
           </a:p>
           <a:p>
-            <a:pPr algn="l" marL="342900" indent="-342900">
+            <a:pPr marL="342900" indent="-342900" algn="l">
               <a:lnSpc>
                 <a:spcPts val="1254"/>
               </a:lnSpc>
@@ -3020,7 +2990,7 @@
               <a:buChar char="•"/>
             </a:pPr>
             <a:r>
-              <a:rPr lang="en-US" sz="1140" spc="57" kern="0" dirty="0">
+              <a:rPr lang="en-US" sz="1140" kern="0" spc="57" dirty="0">
                 <a:solidFill>
                   <a:srgbClr val="1E334C">
                     <a:alpha val="99000"/>
@@ -3035,7 +3005,7 @@
             <a:endParaRPr lang="en-US" sz="1140" dirty="0"/>
           </a:p>
           <a:p>
-            <a:pPr algn="l" marL="342900" indent="-342900">
+            <a:pPr marL="342900" indent="-342900" algn="l">
               <a:lnSpc>
                 <a:spcPts val="1254"/>
               </a:lnSpc>
@@ -3043,7 +3013,7 @@
               <a:buChar char="•"/>
             </a:pPr>
             <a:r>
-              <a:rPr lang="en-US" sz="1140" spc="57" kern="0" dirty="0">
+              <a:rPr lang="en-US" sz="1140" kern="0" spc="57" dirty="0">
                 <a:solidFill>
                   <a:srgbClr val="1E334C">
                     <a:alpha val="99000"/>
@@ -3061,15 +3031,15 @@
       </p:sp>
       <p:pic>
         <p:nvPicPr>
-          <p:cNvPr id="28" name="Image 4" descr="preencoded.png">    </p:cNvPr>
+          <p:cNvPr id="28" name="Image 4" descr="preencoded.png"/>
           <p:cNvPicPr>
             <a:picLocks noChangeAspect="1"/>
           </p:cNvPicPr>
           <p:nvPr/>
         </p:nvPicPr>
         <p:blipFill>
-          <a:blip r:embed="rId5"/>
-          <a:srcRect l="0" r="46778" t="0" b="-2147"/>
+          <a:blip r:embed="rId4"/>
+          <a:srcRect r="46778" b="-2147"/>
           <a:stretch/>
         </p:blipFill>
         <p:spPr>
@@ -3103,14 +3073,14 @@
           <a:bodyPr wrap="square" lIns="0" tIns="0" rIns="0" bIns="0" rtlCol="0" anchor="ctr"/>
           <a:lstStyle/>
           <a:p>
-            <a:pPr algn="r" indent="0" marL="0">
+            <a:pPr marL="0" indent="0" algn="r">
               <a:lnSpc>
                 <a:spcPts val="705"/>
               </a:lnSpc>
               <a:buNone/>
             </a:pPr>
             <a:r>
-              <a:rPr lang="en-US" sz="641" spc="32" kern="0" dirty="0">
+              <a:rPr lang="en-US" sz="641" kern="0" spc="32" dirty="0">
                 <a:solidFill>
                   <a:srgbClr val="1E334C">
                     <a:alpha val="99000"/>
@@ -3147,14 +3117,14 @@
           <a:bodyPr wrap="square" lIns="0" tIns="0" rIns="0" bIns="0" rtlCol="0" anchor="ctr"/>
           <a:lstStyle/>
           <a:p>
-            <a:pPr algn="l" indent="0" marL="0">
+            <a:pPr marL="0" indent="0" algn="l">
               <a:lnSpc>
                 <a:spcPts val="2508"/>
               </a:lnSpc>
               <a:buNone/>
             </a:pPr>
             <a:r>
-              <a:rPr lang="en-US" sz="2280" b="1" spc="114" kern="0" dirty="0">
+              <a:rPr lang="en-US" sz="2280" b="1" kern="0" spc="114" dirty="0">
                 <a:solidFill>
                   <a:srgbClr val="000000">
                     <a:alpha val="99000"/>
@@ -3186,6 +3156,7 @@
         <a:solidFill>
           <a:srgbClr val="D8D5C9"/>
         </a:solidFill>
+        <a:effectLst/>
       </p:bgPr>
     </p:bg>
     <p:spTree>
@@ -3204,15 +3175,15 @@
       </p:grpSpPr>
       <p:pic>
         <p:nvPicPr>
-          <p:cNvPr id="2" name="Image 0" descr="preencoded.png">    </p:cNvPr>
+          <p:cNvPr id="2" name="Image 0" descr="preencoded.png"/>
           <p:cNvPicPr>
             <a:picLocks noChangeAspect="1"/>
           </p:cNvPicPr>
           <p:nvPr/>
         </p:nvPicPr>
         <p:blipFill>
-          <a:blip r:embed="rId1"/>
-          <a:srcRect l="0" r="0" t="0" b="0"/>
+          <a:blip r:embed="rId3"/>
+          <a:srcRect/>
           <a:stretch/>
         </p:blipFill>
         <p:spPr>
@@ -3227,15 +3198,15 @@
       </p:pic>
       <p:pic>
         <p:nvPicPr>
-          <p:cNvPr id="3" name="Image 1" descr="preencoded.png">    </p:cNvPr>
+          <p:cNvPr id="3" name="Image 1" descr="preencoded.png"/>
           <p:cNvPicPr>
             <a:picLocks noChangeAspect="1"/>
           </p:cNvPicPr>
           <p:nvPr/>
         </p:nvPicPr>
         <p:blipFill>
-          <a:blip r:embed="rId2"/>
-          <a:srcRect l="0" r="0" t="0" b="0"/>
+          <a:blip r:embed="rId4"/>
+          <a:srcRect/>
           <a:stretch/>
         </p:blipFill>
         <p:spPr>
@@ -3250,15 +3221,15 @@
       </p:pic>
       <p:pic>
         <p:nvPicPr>
-          <p:cNvPr id="4" name="Image 2" descr="preencoded.png">    </p:cNvPr>
+          <p:cNvPr id="4" name="Image 2" descr="preencoded.png"/>
           <p:cNvPicPr>
             <a:picLocks noChangeAspect="1"/>
           </p:cNvPicPr>
           <p:nvPr/>
         </p:nvPicPr>
         <p:blipFill>
-          <a:blip r:embed="rId3"/>
-          <a:srcRect l="0" r="0" t="0" b="0"/>
+          <a:blip r:embed="rId5"/>
+          <a:srcRect/>
           <a:stretch/>
         </p:blipFill>
         <p:spPr>
@@ -3292,14 +3263,14 @@
           <a:bodyPr wrap="square" lIns="0" tIns="0" rIns="0" bIns="0" rtlCol="0" anchor="ctr"/>
           <a:lstStyle/>
           <a:p>
-            <a:pPr algn="l" indent="0" marL="0">
+            <a:pPr marL="0" indent="0" algn="l">
               <a:lnSpc>
                 <a:spcPts val="2850"/>
               </a:lnSpc>
               <a:buNone/>
             </a:pPr>
             <a:r>
-              <a:rPr lang="en-US" sz="2850" b="1" spc="-142" kern="0" dirty="0">
+              <a:rPr lang="en-US" sz="2850" b="1" kern="0" spc="-142" dirty="0">
                 <a:solidFill>
                   <a:srgbClr val="090909">
                     <a:alpha val="99000"/>
@@ -3336,7 +3307,7 @@
           <a:bodyPr wrap="square" lIns="0" tIns="0" rIns="0" bIns="0" rtlCol="0" anchor="ctr"/>
           <a:lstStyle/>
           <a:p>
-            <a:pPr algn="l" marL="342900" indent="-342900">
+            <a:pPr marL="342900" indent="-342900" algn="l">
               <a:lnSpc>
                 <a:spcPts val="2004"/>
               </a:lnSpc>
@@ -3344,7 +3315,7 @@
               <a:buChar char="•"/>
             </a:pPr>
             <a:r>
-              <a:rPr lang="en-US" sz="2004" spc="-40" kern="0" dirty="0">
+              <a:rPr lang="en-US" sz="2004" kern="0" spc="-40" dirty="0">
                 <a:solidFill>
                   <a:srgbClr val="000000">
                     <a:alpha val="99000"/>
@@ -3359,7 +3330,25 @@
             <a:endParaRPr lang="en-US" sz="2004" dirty="0"/>
           </a:p>
           <a:p>
-            <a:pPr algn="l" marL="342900" indent="-342900">
+            <a:pPr>
+              <a:lnSpc>
+                <a:spcPts val="2004"/>
+              </a:lnSpc>
+              <a:buSzPct val="100000"/>
+            </a:pPr>
+            <a:endParaRPr lang="en-US" sz="2000" kern="0" spc="-40" dirty="0">
+              <a:solidFill>
+                <a:srgbClr val="000000">
+                  <a:alpha val="99000"/>
+                </a:srgbClr>
+              </a:solidFill>
+              <a:latin typeface="IBM Plex Sans" pitchFamily="34" charset="-122"/>
+              <a:ea typeface="IBM Plex Sans" pitchFamily="34" charset="-122"/>
+              <a:cs typeface="IBM Plex Sans" pitchFamily="34" charset="-120"/>
+            </a:endParaRPr>
+          </a:p>
+          <a:p>
+            <a:pPr marL="342900" indent="-342900" algn="l">
               <a:lnSpc>
                 <a:spcPts val="2004"/>
               </a:lnSpc>
@@ -3367,7 +3356,7 @@
               <a:buChar char="•"/>
             </a:pPr>
             <a:r>
-              <a:rPr lang="en-US" sz="2004" spc="-40" kern="0" dirty="0">
+              <a:rPr lang="en-US" sz="2004" kern="0" spc="-40" dirty="0">
                 <a:solidFill>
                   <a:srgbClr val="000000">
                     <a:alpha val="99000"/>
@@ -3382,7 +3371,25 @@
             <a:endParaRPr lang="en-US" sz="2004" dirty="0"/>
           </a:p>
           <a:p>
-            <a:pPr algn="l" marL="342900" indent="-342900">
+            <a:pPr>
+              <a:lnSpc>
+                <a:spcPts val="2004"/>
+              </a:lnSpc>
+              <a:buSzPct val="100000"/>
+            </a:pPr>
+            <a:endParaRPr lang="en-US" sz="2000" kern="0" spc="-40" dirty="0">
+              <a:solidFill>
+                <a:srgbClr val="000000">
+                  <a:alpha val="99000"/>
+                </a:srgbClr>
+              </a:solidFill>
+              <a:latin typeface="IBM Plex Sans" pitchFamily="34" charset="-122"/>
+              <a:ea typeface="IBM Plex Sans" pitchFamily="34" charset="-122"/>
+              <a:cs typeface="IBM Plex Sans" pitchFamily="34" charset="-120"/>
+            </a:endParaRPr>
+          </a:p>
+          <a:p>
+            <a:pPr marL="342900" indent="-342900" algn="l">
               <a:lnSpc>
                 <a:spcPts val="2004"/>
               </a:lnSpc>
@@ -3390,7 +3397,7 @@
               <a:buChar char="•"/>
             </a:pPr>
             <a:r>
-              <a:rPr lang="en-US" sz="2004" spc="-40" kern="0" dirty="0">
+              <a:rPr lang="en-US" sz="2004" kern="0" spc="-40" dirty="0">
                 <a:solidFill>
                   <a:srgbClr val="000000">
                     <a:alpha val="99000"/>
@@ -3422,6 +3429,7 @@
         <a:solidFill>
           <a:srgbClr val="D8D5C9"/>
         </a:solidFill>
+        <a:effectLst/>
       </p:bgPr>
     </p:bg>
     <p:spTree>
@@ -3440,15 +3448,15 @@
       </p:grpSpPr>
       <p:pic>
         <p:nvPicPr>
-          <p:cNvPr id="2" name="Image 0" descr="preencoded.png">    </p:cNvPr>
+          <p:cNvPr id="2" name="Image 0" descr="preencoded.png"/>
           <p:cNvPicPr>
             <a:picLocks noChangeAspect="1"/>
           </p:cNvPicPr>
           <p:nvPr/>
         </p:nvPicPr>
         <p:blipFill>
-          <a:blip r:embed="rId1"/>
-          <a:srcRect l="0" r="0" t="0" b="0"/>
+          <a:blip r:embed="rId3"/>
+          <a:srcRect/>
           <a:stretch/>
         </p:blipFill>
         <p:spPr>
@@ -3463,15 +3471,15 @@
       </p:pic>
       <p:pic>
         <p:nvPicPr>
-          <p:cNvPr id="3" name="Image 1" descr="preencoded.png">    </p:cNvPr>
+          <p:cNvPr id="3" name="Image 1" descr="preencoded.png"/>
           <p:cNvPicPr>
             <a:picLocks noChangeAspect="1"/>
           </p:cNvPicPr>
           <p:nvPr/>
         </p:nvPicPr>
         <p:blipFill>
-          <a:blip r:embed="rId2"/>
-          <a:srcRect l="0" r="11" t="0" b="0"/>
+          <a:blip r:embed="rId4"/>
+          <a:srcRect r="11"/>
           <a:stretch/>
         </p:blipFill>
         <p:spPr>
@@ -3505,14 +3513,14 @@
           <a:bodyPr wrap="square" lIns="0" tIns="0" rIns="0" bIns="0" rtlCol="0" anchor="ctr"/>
           <a:lstStyle/>
           <a:p>
-            <a:pPr algn="l" indent="0" marL="0">
+            <a:pPr marL="0" indent="0" algn="l">
               <a:lnSpc>
                 <a:spcPts val="2850"/>
               </a:lnSpc>
               <a:buNone/>
             </a:pPr>
             <a:r>
-              <a:rPr lang="en-US" sz="2850" spc="-142" kern="0" dirty="0">
+              <a:rPr lang="en-US" sz="2850" kern="0" spc="-142" dirty="0">
                 <a:solidFill>
                   <a:srgbClr val="090909">
                     <a:alpha val="99000"/>
@@ -3544,6 +3552,7 @@
         <a:solidFill>
           <a:srgbClr val="D8D5C9"/>
         </a:solidFill>
+        <a:effectLst/>
       </p:bgPr>
     </p:bg>
     <p:spTree>
@@ -3562,15 +3571,15 @@
       </p:grpSpPr>
       <p:pic>
         <p:nvPicPr>
-          <p:cNvPr id="2" name="Image 0" descr="preencoded.png">    </p:cNvPr>
+          <p:cNvPr id="2" name="Image 0" descr="preencoded.png"/>
           <p:cNvPicPr>
             <a:picLocks noChangeAspect="1"/>
           </p:cNvPicPr>
           <p:nvPr/>
         </p:nvPicPr>
         <p:blipFill>
-          <a:blip r:embed="rId1"/>
-          <a:srcRect l="0" r="0" t="0" b="0"/>
+          <a:blip r:embed="rId3"/>
+          <a:srcRect/>
           <a:stretch/>
         </p:blipFill>
         <p:spPr>
@@ -3585,15 +3594,15 @@
       </p:pic>
       <p:pic>
         <p:nvPicPr>
-          <p:cNvPr id="3" name="Image 1" descr="preencoded.png">    </p:cNvPr>
+          <p:cNvPr id="3" name="Image 1" descr="preencoded.png"/>
           <p:cNvPicPr>
             <a:picLocks noChangeAspect="1"/>
           </p:cNvPicPr>
           <p:nvPr/>
         </p:nvPicPr>
         <p:blipFill>
-          <a:blip r:embed="rId2"/>
-          <a:srcRect l="0" r="0" t="0" b="0"/>
+          <a:blip r:embed="rId4"/>
+          <a:srcRect/>
           <a:stretch/>
         </p:blipFill>
         <p:spPr>
@@ -3627,14 +3636,14 @@
           <a:bodyPr wrap="square" lIns="0" tIns="0" rIns="0" bIns="0" rtlCol="0" anchor="ctr"/>
           <a:lstStyle/>
           <a:p>
-            <a:pPr algn="l" indent="0" marL="0">
+            <a:pPr marL="0" indent="0" algn="l">
               <a:lnSpc>
                 <a:spcPts val="2850"/>
               </a:lnSpc>
               <a:buNone/>
             </a:pPr>
             <a:r>
-              <a:rPr lang="en-US" sz="2850" b="1" spc="-142" kern="0" dirty="0">
+              <a:rPr lang="en-US" sz="2850" b="1" kern="0" spc="-142" dirty="0">
                 <a:solidFill>
                   <a:srgbClr val="000000">
                     <a:alpha val="99000"/>
@@ -3671,7 +3680,7 @@
           <a:bodyPr wrap="square" lIns="0" tIns="0" rIns="0" bIns="0" rtlCol="0" anchor="ctr"/>
           <a:lstStyle/>
           <a:p>
-            <a:pPr algn="l" marL="342900" indent="-342900">
+            <a:pPr marL="342900" indent="-342900" algn="l">
               <a:lnSpc>
                 <a:spcPts val="1710"/>
               </a:lnSpc>
@@ -3679,7 +3688,7 @@
               <a:buChar char="•"/>
             </a:pPr>
             <a:r>
-              <a:rPr lang="en-US" sz="1710" b="1" spc="-85" kern="0" dirty="0">
+              <a:rPr lang="en-US" sz="1710" b="1" kern="0" spc="-85" dirty="0">
                 <a:solidFill>
                   <a:srgbClr val="000000">
                     <a:alpha val="99000"/>
@@ -3691,14 +3700,8 @@
               </a:rPr>
               <a:t>Team</a:t>
             </a:r>
-            <a:pPr algn="l" indent="0" marL="0">
-              <a:lnSpc>
-                <a:spcPts val="1710"/>
-              </a:lnSpc>
-              <a:buNone/>
-            </a:pPr>
-            <a:r>
-              <a:rPr lang="en-US" sz="1710" spc="-85" kern="0" dirty="0">
+            <a:r>
+              <a:rPr lang="en-US" sz="1710" kern="0" spc="-85" dirty="0">
                 <a:solidFill>
                   <a:srgbClr val="000000">
                     <a:alpha val="99000"/>
@@ -3713,7 +3716,25 @@
             <a:endParaRPr lang="en-US" sz="1710" dirty="0"/>
           </a:p>
           <a:p>
-            <a:pPr algn="l" marL="342900" indent="-342900">
+            <a:pPr>
+              <a:lnSpc>
+                <a:spcPts val="1710"/>
+              </a:lnSpc>
+              <a:buSzPct val="100000"/>
+            </a:pPr>
+            <a:endParaRPr lang="en-US" sz="1700" kern="0" spc="-85" dirty="0">
+              <a:solidFill>
+                <a:srgbClr val="000000">
+                  <a:alpha val="99000"/>
+                </a:srgbClr>
+              </a:solidFill>
+              <a:latin typeface="IBM Plex Sans" pitchFamily="34" charset="-122"/>
+              <a:ea typeface="IBM Plex Sans" pitchFamily="34" charset="-122"/>
+              <a:cs typeface="IBM Plex Sans" pitchFamily="34" charset="-120"/>
+            </a:endParaRPr>
+          </a:p>
+          <a:p>
+            <a:pPr marL="342900" indent="-342900" algn="l">
               <a:lnSpc>
                 <a:spcPts val="1710"/>
               </a:lnSpc>
@@ -3721,7 +3742,7 @@
               <a:buChar char="•"/>
             </a:pPr>
             <a:r>
-              <a:rPr lang="en-US" sz="1710" b="1" spc="-85" kern="0" dirty="0">
+              <a:rPr lang="en-US" sz="1710" b="1" kern="0" spc="-85" dirty="0">
                 <a:solidFill>
                   <a:srgbClr val="000000">
                     <a:alpha val="99000"/>
@@ -3733,14 +3754,8 @@
               </a:rPr>
               <a:t>Members</a:t>
             </a:r>
-            <a:pPr algn="l" indent="0" marL="0">
-              <a:lnSpc>
-                <a:spcPts val="1710"/>
-              </a:lnSpc>
-              <a:buNone/>
-            </a:pPr>
-            <a:r>
-              <a:rPr lang="en-US" sz="1710" spc="-85" kern="0" dirty="0">
+            <a:r>
+              <a:rPr lang="en-US" sz="1710" kern="0" spc="-85" dirty="0">
                 <a:solidFill>
                   <a:srgbClr val="000000">
                     <a:alpha val="99000"/>
@@ -3755,7 +3770,25 @@
             <a:endParaRPr lang="en-US" sz="1710" dirty="0"/>
           </a:p>
           <a:p>
-            <a:pPr algn="l" lvl="1" marL="685800" indent="-342900">
+            <a:pPr>
+              <a:lnSpc>
+                <a:spcPts val="1710"/>
+              </a:lnSpc>
+              <a:buSzPct val="100000"/>
+            </a:pPr>
+            <a:endParaRPr lang="en-US" sz="1700" kern="0" spc="-85" dirty="0">
+              <a:solidFill>
+                <a:srgbClr val="000000">
+                  <a:alpha val="99000"/>
+                </a:srgbClr>
+              </a:solidFill>
+              <a:latin typeface="IBM Plex Sans" pitchFamily="34" charset="-122"/>
+              <a:ea typeface="IBM Plex Sans" pitchFamily="34" charset="-122"/>
+              <a:cs typeface="IBM Plex Sans" pitchFamily="34" charset="-120"/>
+            </a:endParaRPr>
+          </a:p>
+          <a:p>
+            <a:pPr marL="685800" lvl="1" indent="-342900" algn="l">
               <a:lnSpc>
                 <a:spcPts val="1710"/>
               </a:lnSpc>
@@ -3763,7 +3796,7 @@
               <a:buChar char="•"/>
             </a:pPr>
             <a:r>
-              <a:rPr lang="en-US" sz="1710" spc="-85" kern="0" dirty="0">
+              <a:rPr lang="en-US" sz="1710" kern="0" spc="-85" dirty="0">
                 <a:solidFill>
                   <a:srgbClr val="000000">
                     <a:alpha val="99000"/>
@@ -3778,7 +3811,25 @@
             <a:endParaRPr lang="en-US" sz="1710" dirty="0"/>
           </a:p>
           <a:p>
-            <a:pPr algn="l" lvl="1" marL="685800" indent="-342900">
+            <a:pPr marL="342900" lvl="1">
+              <a:lnSpc>
+                <a:spcPts val="1710"/>
+              </a:lnSpc>
+              <a:buSzPct val="100000"/>
+            </a:pPr>
+            <a:endParaRPr lang="en-US" sz="1700" kern="0" spc="-85" dirty="0">
+              <a:solidFill>
+                <a:srgbClr val="000000">
+                  <a:alpha val="99000"/>
+                </a:srgbClr>
+              </a:solidFill>
+              <a:latin typeface="IBM Plex Sans"/>
+              <a:ea typeface="IBM Plex Sans" pitchFamily="34" charset="-122"/>
+              <a:cs typeface="IBM Plex Sans" pitchFamily="34" charset="-120"/>
+            </a:endParaRPr>
+          </a:p>
+          <a:p>
+            <a:pPr marL="685800" lvl="1" indent="-342900" algn="l">
               <a:lnSpc>
                 <a:spcPts val="1710"/>
               </a:lnSpc>
@@ -3786,7 +3837,7 @@
               <a:buChar char="•"/>
             </a:pPr>
             <a:r>
-              <a:rPr lang="en-US" sz="1710" spc="-85" kern="0" dirty="0">
+              <a:rPr lang="en-US" sz="1710" kern="0" spc="-85" dirty="0">
                 <a:solidFill>
                   <a:srgbClr val="000000">
                     <a:alpha val="99000"/>
@@ -3801,7 +3852,25 @@
             <a:endParaRPr lang="en-US" sz="1710" dirty="0"/>
           </a:p>
           <a:p>
-            <a:pPr algn="l" lvl="1" marL="685800" indent="-342900">
+            <a:pPr marL="342900" lvl="1">
+              <a:lnSpc>
+                <a:spcPts val="1710"/>
+              </a:lnSpc>
+              <a:buSzPct val="100000"/>
+            </a:pPr>
+            <a:endParaRPr lang="en-US" sz="1700" kern="0" spc="-85" dirty="0">
+              <a:solidFill>
+                <a:srgbClr val="000000">
+                  <a:alpha val="99000"/>
+                </a:srgbClr>
+              </a:solidFill>
+              <a:latin typeface="IBM Plex Sans"/>
+              <a:ea typeface="IBM Plex Sans" pitchFamily="34" charset="-122"/>
+              <a:cs typeface="IBM Plex Sans" pitchFamily="34" charset="-120"/>
+            </a:endParaRPr>
+          </a:p>
+          <a:p>
+            <a:pPr marL="685800" lvl="1" indent="-342900" algn="l">
               <a:lnSpc>
                 <a:spcPts val="1710"/>
               </a:lnSpc>
@@ -3809,7 +3878,7 @@
               <a:buChar char="•"/>
             </a:pPr>
             <a:r>
-              <a:rPr lang="en-US" sz="1710" spc="-85" kern="0" dirty="0">
+              <a:rPr lang="en-US" sz="1710" kern="0" spc="-85" dirty="0">
                 <a:solidFill>
                   <a:srgbClr val="000000">
                     <a:alpha val="99000"/>
@@ -3824,7 +3893,25 @@
             <a:endParaRPr lang="en-US" sz="1710" dirty="0"/>
           </a:p>
           <a:p>
-            <a:pPr algn="l" lvl="1" marL="685800" indent="-342900">
+            <a:pPr marL="342900" lvl="1">
+              <a:lnSpc>
+                <a:spcPts val="1710"/>
+              </a:lnSpc>
+              <a:buSzPct val="100000"/>
+            </a:pPr>
+            <a:endParaRPr lang="en-US" sz="1700" kern="0" spc="-85" dirty="0">
+              <a:solidFill>
+                <a:srgbClr val="000000">
+                  <a:alpha val="99000"/>
+                </a:srgbClr>
+              </a:solidFill>
+              <a:latin typeface="IBM Plex Sans"/>
+              <a:ea typeface="IBM Plex Sans" pitchFamily="34" charset="-122"/>
+              <a:cs typeface="IBM Plex Sans" pitchFamily="34" charset="-120"/>
+            </a:endParaRPr>
+          </a:p>
+          <a:p>
+            <a:pPr marL="685800" lvl="1" indent="-342900" algn="l">
               <a:lnSpc>
                 <a:spcPts val="1710"/>
               </a:lnSpc>
@@ -3832,7 +3919,7 @@
               <a:buChar char="•"/>
             </a:pPr>
             <a:r>
-              <a:rPr lang="en-US" sz="1710" spc="-85" kern="0" dirty="0">
+              <a:rPr lang="en-US" sz="1710" kern="0" spc="-85" dirty="0">
                 <a:solidFill>
                   <a:srgbClr val="000000">
                     <a:alpha val="99000"/>
@@ -3869,14 +3956,14 @@
           <a:bodyPr wrap="square" lIns="0" tIns="0" rIns="0" bIns="0" rtlCol="0" anchor="ctr"/>
           <a:lstStyle/>
           <a:p>
-            <a:pPr algn="l" indent="0" marL="0">
+            <a:pPr marL="0" indent="0" algn="l">
               <a:lnSpc>
                 <a:spcPts val="1710"/>
               </a:lnSpc>
               <a:buNone/>
             </a:pPr>
             <a:r>
-              <a:rPr lang="en-US" sz="1710" b="1" spc="-34" kern="0" dirty="0">
+              <a:rPr lang="en-US" sz="1710" b="1" kern="0" spc="-34" dirty="0">
                 <a:solidFill>
                   <a:srgbClr val="000000">
                     <a:alpha val="99000"/>
@@ -3888,14 +3975,8 @@
               </a:rPr>
               <a:t>Motivation</a:t>
             </a:r>
-            <a:pPr algn="l" indent="0" marL="0">
-              <a:lnSpc>
-                <a:spcPts val="1710"/>
-              </a:lnSpc>
-              <a:buNone/>
-            </a:pPr>
-            <a:r>
-              <a:rPr lang="en-US" sz="1710" spc="-34" kern="0" dirty="0">
+            <a:r>
+              <a:rPr lang="en-US" sz="1710" kern="0" spc="-34" dirty="0">
                 <a:solidFill>
                   <a:srgbClr val="000000">
                     <a:alpha val="99000"/>
@@ -3910,14 +3991,31 @@
             <a:endParaRPr lang="en-US" sz="1710" dirty="0"/>
           </a:p>
           <a:p>
-            <a:pPr algn="l" indent="0" marL="0">
+            <a:pPr>
+              <a:lnSpc>
+                <a:spcPts val="1710"/>
+              </a:lnSpc>
+            </a:pPr>
+            <a:endParaRPr lang="en-US" sz="1700" kern="0" spc="-34" dirty="0">
+              <a:solidFill>
+                <a:srgbClr val="000000">
+                  <a:alpha val="99000"/>
+                </a:srgbClr>
+              </a:solidFill>
+              <a:latin typeface="IBM Plex Sans"/>
+              <a:ea typeface="IBM Plex Sans" pitchFamily="34" charset="-122"/>
+              <a:cs typeface="IBM Plex Sans" pitchFamily="34" charset="-120"/>
+            </a:endParaRPr>
+          </a:p>
+          <a:p>
+            <a:pPr marL="0" indent="0" algn="l">
               <a:lnSpc>
                 <a:spcPts val="1425"/>
               </a:lnSpc>
               <a:buNone/>
             </a:pPr>
             <a:r>
-              <a:rPr lang="en-US" sz="1425" spc="-28" kern="0" dirty="0">
+              <a:rPr lang="en-US" sz="1425" kern="0" spc="-28" dirty="0">
                 <a:solidFill>
                   <a:srgbClr val="000000">
                     <a:alpha val="99000"/>
@@ -3930,14 +4028,8 @@
               <a:t>  </a:t>
             </a:r>
-            <a:pPr algn="l" indent="0" marL="0">
-              <a:lnSpc>
-                <a:spcPts val="1710"/>
-              </a:lnSpc>
-              <a:buNone/>
-            </a:pPr>
-            <a:r>
-              <a:rPr lang="en-US" sz="1710" spc="-34" kern="0" dirty="0">
+            <a:r>
+              <a:rPr lang="en-US" sz="1710" kern="0" spc="-34" dirty="0">
                 <a:solidFill>
                   <a:srgbClr val="000000">
                     <a:alpha val="99000"/>
@@ -3952,14 +4044,31 @@
             <a:endParaRPr lang="en-US" sz="1710" dirty="0"/>
           </a:p>
           <a:p>
-            <a:pPr algn="l" indent="0" marL="0">
+            <a:pPr>
+              <a:lnSpc>
+                <a:spcPts val="1425"/>
+              </a:lnSpc>
+            </a:pPr>
+            <a:endParaRPr lang="en-US" sz="1700" kern="0" spc="-34" dirty="0">
+              <a:solidFill>
+                <a:srgbClr val="000000">
+                  <a:alpha val="99000"/>
+                </a:srgbClr>
+              </a:solidFill>
+              <a:latin typeface="IBM Plex Sans"/>
+              <a:ea typeface="IBM Plex Sans" pitchFamily="34" charset="-122"/>
+              <a:cs typeface="IBM Plex Sans" pitchFamily="34" charset="-120"/>
+            </a:endParaRPr>
+          </a:p>
+          <a:p>
+            <a:pPr marL="0" indent="0" algn="l">
               <a:lnSpc>
                 <a:spcPts val="1710"/>
               </a:lnSpc>
               <a:buNone/>
             </a:pPr>
             <a:r>
-              <a:rPr lang="en-US" sz="1710" spc="-34" kern="0" dirty="0">
+              <a:rPr lang="en-US" sz="1710" kern="0" spc="-34" dirty="0">
                 <a:solidFill>
                   <a:srgbClr val="000000">
                     <a:alpha val="99000"/>
@@ -3974,14 +4083,31 @@
             <a:endParaRPr lang="en-US" sz="1710" dirty="0"/>
           </a:p>
           <a:p>
-            <a:pPr algn="l" indent="0" marL="0">
+            <a:pPr>
               <a:lnSpc>
                 <a:spcPts val="1710"/>
               </a:lnSpc>
+            </a:pPr>
+            <a:endParaRPr lang="en-US" sz="1700" kern="0" spc="-34" dirty="0">
+              <a:solidFill>
+                <a:srgbClr val="000000">
+                  <a:alpha val="99000"/>
+                </a:srgbClr>
+              </a:solidFill>
+              <a:latin typeface="IBM Plex Sans"/>
+              <a:ea typeface="IBM Plex Sans" pitchFamily="34" charset="-122"/>
+              <a:cs typeface="IBM Plex Sans" pitchFamily="34" charset="-120"/>
+            </a:endParaRPr>
+          </a:p>
+          <a:p>
+            <a:pPr marL="0" indent="0" algn="l">
+              <a:lnSpc>
+                <a:spcPts val="1710"/>
+              </a:lnSpc>
               <a:buNone/>
             </a:pPr>
             <a:r>
-              <a:rPr lang="en-US" sz="1710" spc="-34" kern="0" dirty="0">
+              <a:rPr lang="en-US" sz="1710" kern="0" spc="-34" dirty="0">
                 <a:solidFill>
                   <a:srgbClr val="000000">
                     <a:alpha val="99000"/>
@@ -4014,6 +4140,7 @@
         <a:solidFill>
           <a:srgbClr val="D8D5C9"/>
         </a:solidFill>
+        <a:effectLst/>
       </p:bgPr>
     </p:bg>
     <p:spTree>
@@ -4032,15 +4159,15 @@
       </p:grpSpPr>
       <p:pic>
         <p:nvPicPr>
-          <p:cNvPr id="2" name="Image 0" descr="preencoded.png">    </p:cNvPr>
+          <p:cNvPr id="2" name="Image 0" descr="preencoded.png"/>
           <p:cNvPicPr>
             <a:picLocks noChangeAspect="1"/>
           </p:cNvPicPr>
           <p:nvPr/>
         </p:nvPicPr>
         <p:blipFill>
-          <a:blip r:embed="rId1"/>
-          <a:srcRect l="0" r="0" t="0" b="0"/>
+          <a:blip r:embed="rId3"/>
+          <a:srcRect/>
           <a:stretch/>
         </p:blipFill>
         <p:spPr>
@@ -4074,14 +4201,14 @@
           <a:bodyPr wrap="square" lIns="0" tIns="0" rIns="0" bIns="0" rtlCol="0" anchor="ctr"/>
           <a:lstStyle/>
           <a:p>
-            <a:pPr algn="r" indent="0" marL="0">
+            <a:pPr marL="0" indent="0" algn="r">
               <a:lnSpc>
                 <a:spcPts val="998"/>
               </a:lnSpc>
               <a:buNone/>
             </a:pPr>
             <a:r>
-              <a:rPr lang="en-US" sz="713" spc="-14" kern="0" dirty="0">
+              <a:rPr lang="en-US" sz="713" kern="0" spc="-14" dirty="0">
                 <a:solidFill>
                   <a:srgbClr val="5D5949">
                     <a:alpha val="99000"/>
@@ -4118,14 +4245,14 @@
           <a:bodyPr wrap="square" lIns="0" tIns="0" rIns="0" bIns="0" rtlCol="0" anchor="ctr"/>
           <a:lstStyle/>
           <a:p>
-            <a:pPr algn="l" indent="0" marL="0">
+            <a:pPr marL="0" indent="0" algn="l">
               <a:lnSpc>
                 <a:spcPts val="2850"/>
               </a:lnSpc>
               <a:buNone/>
             </a:pPr>
             <a:r>
-              <a:rPr lang="en-US" sz="2850" b="1" spc="-142" kern="0" dirty="0">
+              <a:rPr lang="en-US" sz="2850" b="1" kern="0" spc="-142" dirty="0">
                 <a:solidFill>
                   <a:srgbClr val="090909">
                     <a:alpha val="99000"/>
@@ -4143,7 +4270,7 @@
       </p:sp>
       <p:graphicFrame>
         <p:nvGraphicFramePr>
-          <p:cNvPr id="4" name="Table 0"/>
+          <p:cNvPr id="5" name="Table 0"/>
           <p:cNvGraphicFramePr>
             <a:graphicFrameLocks noGrp="1"/>
           </p:cNvGraphicFramePr>
@@ -4164,9 +4291,27 @@
             <a:tbl>
               <a:tblPr/>
               <a:tblGrid>
-                <a:gridCol w="971550"/>
-                <a:gridCol w="3209219"/>
-                <a:gridCol w="3109207"/>
+                <a:gridCol w="971550">
+                  <a:extLst>
+                    <a:ext uri="{9D8B030D-6E8A-4147-A177-3AD203B41FA5}">
+                      <a16:colId xmlns:a16="http://schemas.microsoft.com/office/drawing/2014/main" val="20000"/>
+                    </a:ext>
+                  </a:extLst>
+                </a:gridCol>
+                <a:gridCol w="3209219">
+                  <a:extLst>
+                    <a:ext uri="{9D8B030D-6E8A-4147-A177-3AD203B41FA5}">
+                      <a16:colId xmlns:a16="http://schemas.microsoft.com/office/drawing/2014/main" val="20001"/>
+                    </a:ext>
+                  </a:extLst>
+                </a:gridCol>
+                <a:gridCol w="3109207">
+                  <a:extLst>
+                    <a:ext uri="{9D8B030D-6E8A-4147-A177-3AD203B41FA5}">
+                      <a16:colId xmlns:a16="http://schemas.microsoft.com/office/drawing/2014/main" val="20002"/>
+                    </a:ext>
+                  </a:extLst>
+                </a:gridCol>
               </a:tblGrid>
               <a:tr h="419100">
                 <a:tc>
@@ -4174,14 +4319,14 @@
                     <a:bodyPr/>
                     <a:lstStyle/>
                     <a:p>
-                      <a:pPr algn="ctr" indent="0" marL="0">
+                      <a:pPr marL="0" indent="0" algn="ctr">
                         <a:lnSpc>
                           <a:spcPts val="1425"/>
                         </a:lnSpc>
                         <a:buNone/>
                       </a:pPr>
                       <a:r>
-                        <a:rPr lang="en-US" sz="1425" b="1" spc="-28" kern="0" dirty="0">
+                        <a:rPr lang="en-US" sz="1425" b="1" kern="0" spc="-28" dirty="0">
                           <a:solidFill>
                             <a:srgbClr val="000000">
                               <a:alpha val="99000"/>
@@ -4196,7 +4341,7 @@
                       <a:endParaRPr lang="en-US" sz="1200" dirty="0"/>
                     </a:p>
                   </a:txBody>
-                  <a:tcPr marL="91440" marR="91440" marT="45720" marB="45720">
+                  <a:tcPr>
                     <a:lnL w="12700" cap="flat" cmpd="sng" algn="ctr">
                       <a:solidFill>
                         <a:srgbClr val="737373"/>
@@ -4243,14 +4388,14 @@
                     <a:bodyPr/>
                     <a:lstStyle/>
                     <a:p>
-                      <a:pPr algn="ctr" indent="0" marL="0">
+                      <a:pPr marL="0" indent="0" algn="ctr">
                         <a:lnSpc>
                           <a:spcPts val="1425"/>
                         </a:lnSpc>
                         <a:buNone/>
                       </a:pPr>
                       <a:r>
-                        <a:rPr lang="en-US" sz="1425" b="1" spc="-28" kern="0" dirty="0">
+                        <a:rPr lang="en-US" sz="1425" b="1" kern="0" spc="-28" dirty="0">
                           <a:solidFill>
                             <a:srgbClr val="000000">
                               <a:alpha val="99000"/>
@@ -4265,7 +4410,7 @@
                       <a:endParaRPr lang="en-US" sz="1200" dirty="0"/>
                     </a:p>
                   </a:txBody>
-                  <a:tcPr marL="91440" marR="91440" marT="45720" marB="45720">
+                  <a:tcPr>
                     <a:lnL w="12700" cap="flat" cmpd="sng" algn="ctr">
                       <a:solidFill>
                         <a:srgbClr val="737373"/>
@@ -4312,14 +4457,14 @@
                     <a:bodyPr/>
                     <a:lstStyle/>
                     <a:p>
-                      <a:pPr algn="ctr" indent="0" marL="0">
+                      <a:pPr marL="0" indent="0" algn="ctr">
                         <a:lnSpc>
                           <a:spcPts val="1425"/>
                         </a:lnSpc>
                         <a:buNone/>
                       </a:pPr>
                       <a:r>
-                        <a:rPr lang="en-US" sz="1425" b="1" spc="-28" kern="0" dirty="0">
+                        <a:rPr lang="en-US" sz="1425" b="1" kern="0" spc="-28" dirty="0">
                           <a:solidFill>
                             <a:srgbClr val="000000">
                               <a:alpha val="99000"/>
@@ -4334,7 +4479,7 @@
                       <a:endParaRPr lang="en-US" sz="1200" dirty="0"/>
                     </a:p>
                   </a:txBody>
-                  <a:tcPr marL="91440" marR="91440" marT="45720" marB="45720">
+                  <a:tcPr>
                     <a:lnL w="12700" cap="flat" cmpd="sng" algn="ctr">
                       <a:solidFill>
                         <a:srgbClr val="737373"/>
@@ -4376,6 +4521,11 @@
                     </a:solidFill>
                   </a:tcPr>
                 </a:tc>
+                <a:extLst>
+                  <a:ext uri="{0D108BD9-81ED-4DB2-BD59-A6C34878D82A}">
+                    <a16:rowId xmlns:a16="http://schemas.microsoft.com/office/drawing/2014/main" val="10000"/>
+                  </a:ext>
+                </a:extLst>
               </a:tr>
               <a:tr h="975122">
                 <a:tc>
@@ -4383,14 +4533,14 @@
                     <a:bodyPr/>
                     <a:lstStyle/>
                     <a:p>
-                      <a:pPr algn="ctr" indent="0" marL="0">
+                      <a:pPr marL="0" indent="0" algn="ctr">
                         <a:lnSpc>
                           <a:spcPts val="1425"/>
                         </a:lnSpc>
                         <a:buNone/>
                       </a:pPr>
                       <a:r>
-                        <a:rPr lang="en-US" sz="1425" spc="-28" kern="0" dirty="0">
+                        <a:rPr lang="en-US" sz="1425" kern="0" spc="-28" dirty="0">
                           <a:solidFill>
                             <a:srgbClr val="000000">
                               <a:alpha val="99000"/>
@@ -4405,7 +4555,7 @@
                       <a:endParaRPr lang="en-US" sz="1200" dirty="0"/>
                     </a:p>
                   </a:txBody>
-                  <a:tcPr marL="91440" marR="91440" marT="45720" marB="45720">
+                  <a:tcPr>
                     <a:lnL w="12700" cap="flat" cmpd="sng" algn="ctr">
                       <a:solidFill>
                         <a:srgbClr val="737373"/>
@@ -4452,14 +4602,14 @@
                     <a:bodyPr/>
                     <a:lstStyle/>
                     <a:p>
-                      <a:pPr algn="l" indent="0" marL="0">
+                      <a:pPr marL="0" indent="0" algn="l">
                         <a:lnSpc>
                           <a:spcPts val="1425"/>
                         </a:lnSpc>
                         <a:buNone/>
                       </a:pPr>
                       <a:r>
-                        <a:rPr lang="en-US" sz="1425" spc="-28" kern="0" dirty="0">
+                        <a:rPr lang="en-US" sz="1425" kern="0" spc="-28" dirty="0">
                           <a:solidFill>
                             <a:srgbClr val="000000">
                               <a:alpha val="99000"/>
@@ -4474,7 +4624,7 @@
                       <a:endParaRPr lang="en-US" sz="1200" dirty="0"/>
                     </a:p>
                   </a:txBody>
-                  <a:tcPr marL="91440" marR="91440" marT="45720" marB="45720">
+                  <a:tcPr>
                     <a:lnL w="12700" cap="flat" cmpd="sng" algn="ctr">
                       <a:solidFill>
                         <a:srgbClr val="737373"/>
@@ -4521,14 +4671,14 @@
                     <a:bodyPr/>
                     <a:lstStyle/>
                     <a:p>
-                      <a:pPr algn="l" indent="0" marL="0">
+                      <a:pPr marL="0" indent="0" algn="l">
                         <a:lnSpc>
                           <a:spcPts val="1425"/>
                         </a:lnSpc>
                         <a:buNone/>
                       </a:pPr>
                       <a:r>
-                        <a:rPr lang="en-US" sz="1425" spc="-28" kern="0" dirty="0">
+                        <a:rPr lang="en-US" sz="1425" kern="0" spc="-28" dirty="0">
                           <a:solidFill>
                             <a:srgbClr val="000000">
                               <a:alpha val="99000"/>
@@ -4543,7 +4693,7 @@
                       <a:endParaRPr lang="en-US" sz="1200" dirty="0"/>
                     </a:p>
                   </a:txBody>
-                  <a:tcPr marL="91440" marR="91440" marT="45720" marB="45720">
+                  <a:tcPr>
                     <a:lnL w="12700" cap="flat" cmpd="sng" algn="ctr">
                       <a:solidFill>
                         <a:srgbClr val="737373"/>
@@ -4585,6 +4735,11 @@
                     </a:solidFill>
                   </a:tcPr>
                 </a:tc>
+                <a:extLst>
+                  <a:ext uri="{0D108BD9-81ED-4DB2-BD59-A6C34878D82A}">
+                    <a16:rowId xmlns:a16="http://schemas.microsoft.com/office/drawing/2014/main" val="10001"/>
+                  </a:ext>
+                </a:extLst>
               </a:tr>
               <a:tr h="1035447">
                 <a:tc>
@@ -4592,14 +4747,14 @@
                     <a:bodyPr/>
                     <a:lstStyle/>
                     <a:p>
-                      <a:pPr algn="ctr" indent="0" marL="0">
+                      <a:pPr marL="0" indent="0" algn="ctr">
                         <a:lnSpc>
                           <a:spcPts val="1425"/>
                         </a:lnSpc>
                         <a:buNone/>
                       </a:pPr>
                       <a:r>
-                        <a:rPr lang="en-US" sz="1425" spc="-28" kern="0" dirty="0">
+                        <a:rPr lang="en-US" sz="1425" kern="0" spc="-28" dirty="0">
                           <a:solidFill>
                             <a:srgbClr val="000000">
                               <a:alpha val="99000"/>
@@ -4614,7 +4769,7 @@
                       <a:endParaRPr lang="en-US" sz="1200" dirty="0"/>
                     </a:p>
                   </a:txBody>
-                  <a:tcPr marL="91440" marR="91440" marT="45720" marB="45720">
+                  <a:tcPr>
                     <a:lnL w="12700" cap="flat" cmpd="sng" algn="ctr">
                       <a:solidFill>
                         <a:srgbClr val="737373"/>
@@ -4661,14 +4816,14 @@
                     <a:bodyPr/>
                     <a:lstStyle/>
                     <a:p>
-                      <a:pPr algn="l" indent="0" marL="0">
+                      <a:pPr marL="0" indent="0" algn="l">
                         <a:lnSpc>
                           <a:spcPts val="1425"/>
                         </a:lnSpc>
                         <a:buNone/>
                       </a:pPr>
                       <a:r>
-                        <a:rPr lang="en-US" sz="1425" spc="-28" kern="0" dirty="0">
+                        <a:rPr lang="en-US" sz="1425" kern="0" spc="-28" dirty="0">
                           <a:solidFill>
                             <a:srgbClr val="000000">
                               <a:alpha val="99000"/>
@@ -4683,7 +4838,7 @@
                       <a:endParaRPr lang="en-US" sz="1200" dirty="0"/>
                     </a:p>
                   </a:txBody>
-                  <a:tcPr marL="91440" marR="91440" marT="45720" marB="45720">
+                  <a:tcPr>
                     <a:lnL w="12700" cap="flat" cmpd="sng" algn="ctr">
                       <a:solidFill>
                         <a:srgbClr val="737373"/>
@@ -4730,14 +4885,14 @@
                     <a:bodyPr/>
                     <a:lstStyle/>
                     <a:p>
-                      <a:pPr algn="l" indent="0" marL="0">
+                      <a:pPr marL="0" indent="0" algn="l">
                         <a:lnSpc>
                           <a:spcPts val="1425"/>
                         </a:lnSpc>
                         <a:buNone/>
                       </a:pPr>
                       <a:r>
-                        <a:rPr lang="en-US" sz="1425" spc="-28" kern="0" dirty="0">
+                        <a:rPr lang="en-US" sz="1425" kern="0" spc="-28" dirty="0">
                           <a:solidFill>
                             <a:srgbClr val="000000">
                               <a:alpha val="99000"/>
@@ -4752,7 +4907,7 @@
                       <a:endParaRPr lang="en-US" sz="1200" dirty="0"/>
                     </a:p>
                   </a:txBody>
-                  <a:tcPr marL="91440" marR="91440" marT="45720" marB="45720">
+                  <a:tcPr>
                     <a:lnL w="12700" cap="flat" cmpd="sng" algn="ctr">
                       <a:solidFill>
                         <a:srgbClr val="737373"/>
@@ -4794,6 +4949,11 @@
                     </a:solidFill>
                   </a:tcPr>
                 </a:tc>
+                <a:extLst>
+                  <a:ext uri="{0D108BD9-81ED-4DB2-BD59-A6C34878D82A}">
+                    <a16:rowId xmlns:a16="http://schemas.microsoft.com/office/drawing/2014/main" val="10002"/>
+                  </a:ext>
+                </a:extLst>
               </a:tr>
               <a:tr h="987822">
                 <a:tc>
@@ -4801,14 +4961,14 @@
                     <a:bodyPr/>
                     <a:lstStyle/>
                     <a:p>
-                      <a:pPr algn="ctr" indent="0" marL="0">
+                      <a:pPr marL="0" indent="0" algn="ctr">
                         <a:lnSpc>
                           <a:spcPts val="1425"/>
                         </a:lnSpc>
                         <a:buNone/>
                       </a:pPr>
                       <a:r>
-                        <a:rPr lang="en-US" sz="1425" spc="-28" kern="0" dirty="0">
+                        <a:rPr lang="en-US" sz="1425" kern="0" spc="-28" dirty="0">
                           <a:solidFill>
                             <a:srgbClr val="000000">
                               <a:alpha val="99000"/>
@@ -4823,7 +4983,7 @@
                       <a:endParaRPr lang="en-US" sz="1200" dirty="0"/>
                     </a:p>
                   </a:txBody>
-                  <a:tcPr marL="91440" marR="91440" marT="45720" marB="45720">
+                  <a:tcPr>
                     <a:lnL w="12700" cap="flat" cmpd="sng" algn="ctr">
                       <a:solidFill>
                         <a:srgbClr val="737373"/>
@@ -4870,14 +5030,14 @@
                     <a:bodyPr/>
                     <a:lstStyle/>
                     <a:p>
-                      <a:pPr algn="l" indent="0" marL="0">
+                      <a:pPr marL="0" indent="0" algn="l">
                         <a:lnSpc>
                           <a:spcPts val="1425"/>
                         </a:lnSpc>
                         <a:buNone/>
                       </a:pPr>
                       <a:r>
-                        <a:rPr lang="en-US" sz="1425" spc="-28" kern="0" dirty="0">
+                        <a:rPr lang="en-US" sz="1425" kern="0" spc="-28" dirty="0">
                           <a:solidFill>
                             <a:srgbClr val="000000">
                               <a:alpha val="99000"/>
@@ -4892,7 +5052,7 @@
                       <a:endParaRPr lang="en-US" sz="1200" dirty="0"/>
                     </a:p>
                   </a:txBody>
-                  <a:tcPr marL="91440" marR="91440" marT="45720" marB="45720">
+                  <a:tcPr>
                     <a:lnL w="12700" cap="flat" cmpd="sng" algn="ctr">
                       <a:solidFill>
                         <a:srgbClr val="737373"/>
@@ -4939,14 +5099,14 @@
                     <a:bodyPr/>
                     <a:lstStyle/>
                     <a:p>
-                      <a:pPr algn="l" indent="0" marL="0">
+                      <a:pPr marL="0" indent="0" algn="l">
                         <a:lnSpc>
                           <a:spcPts val="1425"/>
                         </a:lnSpc>
                         <a:buNone/>
                       </a:pPr>
                       <a:r>
-                        <a:rPr lang="en-US" sz="1425" spc="-28" kern="0" dirty="0">
+                        <a:rPr lang="en-US" sz="1425" kern="0" spc="-28" dirty="0">
                           <a:solidFill>
                             <a:srgbClr val="000000">
                               <a:alpha val="99000"/>
@@ -4961,7 +5121,7 @@
                       <a:endParaRPr lang="en-US" sz="1200" dirty="0"/>
                     </a:p>
                   </a:txBody>
-                  <a:tcPr marL="91440" marR="91440" marT="45720" marB="45720">
+                  <a:tcPr>
                     <a:lnL w="12700" cap="flat" cmpd="sng" algn="ctr">
                       <a:solidFill>
                         <a:srgbClr val="737373"/>
@@ -5003,6 +5163,11 @@
                     </a:solidFill>
                   </a:tcPr>
                 </a:tc>
+                <a:extLst>
+                  <a:ext uri="{0D108BD9-81ED-4DB2-BD59-A6C34878D82A}">
+                    <a16:rowId xmlns:a16="http://schemas.microsoft.com/office/drawing/2014/main" val="10003"/>
+                  </a:ext>
+                </a:extLst>
               </a:tr>
             </a:tbl>
           </a:graphicData>
@@ -5024,6 +5189,7 @@
         <a:solidFill>
           <a:srgbClr val="D8D5C9"/>
         </a:solidFill>
+        <a:effectLst/>
       </p:bgPr>
     </p:bg>
     <p:spTree>
@@ -5042,15 +5208,15 @@
       </p:grpSpPr>
       <p:pic>
         <p:nvPicPr>
-          <p:cNvPr id="2" name="Image 0" descr="preencoded.png">    </p:cNvPr>
+          <p:cNvPr id="2" name="Image 0" descr="preencoded.png"/>
           <p:cNvPicPr>
             <a:picLocks noChangeAspect="1"/>
           </p:cNvPicPr>
           <p:nvPr/>
         </p:nvPicPr>
         <p:blipFill>
-          <a:blip r:embed="rId1"/>
-          <a:srcRect l="0" r="0" t="0" b="0"/>
+          <a:blip r:embed="rId3"/>
+          <a:srcRect/>
           <a:stretch/>
         </p:blipFill>
         <p:spPr>
@@ -5065,15 +5231,15 @@
       </p:pic>
       <p:pic>
         <p:nvPicPr>
-          <p:cNvPr id="3" name="Image 1" descr="preencoded.png">    </p:cNvPr>
+          <p:cNvPr id="3" name="Image 1" descr="preencoded.png"/>
           <p:cNvPicPr>
             <a:picLocks noChangeAspect="1"/>
           </p:cNvPicPr>
           <p:nvPr/>
         </p:nvPicPr>
         <p:blipFill>
-          <a:blip r:embed="rId2"/>
-          <a:srcRect l="0" r="0" t="0" b="0"/>
+          <a:blip r:embed="rId4"/>
+          <a:srcRect/>
           <a:stretch/>
         </p:blipFill>
         <p:spPr>
@@ -5107,14 +5273,14 @@
           <a:bodyPr wrap="square" lIns="0" tIns="0" rIns="0" bIns="0" rtlCol="0" anchor="ctr"/>
           <a:lstStyle/>
           <a:p>
-            <a:pPr algn="l" indent="0" marL="0">
+            <a:pPr marL="0" indent="0" algn="l">
               <a:lnSpc>
                 <a:spcPts val="2850"/>
               </a:lnSpc>
               <a:buNone/>
             </a:pPr>
             <a:r>
-              <a:rPr lang="en-US" sz="2850" b="1" spc="-142" kern="0" dirty="0">
+              <a:rPr lang="en-US" sz="2850" b="1" kern="0" spc="-142" dirty="0">
                 <a:solidFill>
                   <a:srgbClr val="000000">
                     <a:alpha val="99000"/>
@@ -5132,15 +5298,15 @@
       </p:sp>
       <p:pic>
         <p:nvPicPr>
-          <p:cNvPr id="5" name="Image 2" descr="preencoded.png">    </p:cNvPr>
+          <p:cNvPr id="5" name="Image 2" descr="preencoded.png"/>
           <p:cNvPicPr>
             <a:picLocks noChangeAspect="1"/>
           </p:cNvPicPr>
           <p:nvPr/>
         </p:nvPicPr>
         <p:blipFill>
-          <a:blip r:embed="rId3"/>
-          <a:srcRect l="0" r="0" t="0" b="0"/>
+          <a:blip r:embed="rId5"/>
+          <a:srcRect/>
           <a:stretch/>
         </p:blipFill>
         <p:spPr>
@@ -5155,15 +5321,15 @@
       </p:pic>
       <p:pic>
         <p:nvPicPr>
-          <p:cNvPr id="6" name="Image 3" descr="preencoded.png">    </p:cNvPr>
+          <p:cNvPr id="6" name="Image 3" descr="preencoded.png"/>
           <p:cNvPicPr>
             <a:picLocks noChangeAspect="1"/>
           </p:cNvPicPr>
           <p:nvPr/>
         </p:nvPicPr>
         <p:blipFill>
-          <a:blip r:embed="rId4"/>
-          <a:srcRect l="0" r="0" t="0" b="0"/>
+          <a:blip r:embed="rId6"/>
+          <a:srcRect/>
           <a:stretch/>
         </p:blipFill>
         <p:spPr>
@@ -5178,15 +5344,15 @@
       </p:pic>
       <p:pic>
         <p:nvPicPr>
-          <p:cNvPr id="7" name="Image 4" descr="preencoded.png">    </p:cNvPr>
+          <p:cNvPr id="7" name="Image 4" descr="preencoded.png"/>
           <p:cNvPicPr>
             <a:picLocks noChangeAspect="1"/>
           </p:cNvPicPr>
           <p:nvPr/>
         </p:nvPicPr>
         <p:blipFill>
-          <a:blip r:embed="rId5"/>
-          <a:srcRect l="0" r="0" t="0" b="0"/>
+          <a:blip r:embed="rId7"/>
+          <a:srcRect/>
           <a:stretch/>
         </p:blipFill>
         <p:spPr>
@@ -5201,15 +5367,15 @@
       </p:pic>
       <p:pic>
         <p:nvPicPr>
-          <p:cNvPr id="8" name="Image 5" descr="preencoded.png">    </p:cNvPr>
+          <p:cNvPr id="8" name="Image 5" descr="preencoded.png"/>
           <p:cNvPicPr>
             <a:picLocks noChangeAspect="1"/>
           </p:cNvPicPr>
           <p:nvPr/>
         </p:nvPicPr>
         <p:blipFill>
-          <a:blip r:embed="rId6"/>
-          <a:srcRect l="0" r="0" t="0" b="0"/>
+          <a:blip r:embed="rId8"/>
+          <a:srcRect/>
           <a:stretch/>
         </p:blipFill>
         <p:spPr>
@@ -5224,15 +5390,15 @@
       </p:pic>
       <p:pic>
         <p:nvPicPr>
-          <p:cNvPr id="9" name="Image 6" descr="preencoded.png">    </p:cNvPr>
+          <p:cNvPr id="9" name="Image 6" descr="preencoded.png"/>
           <p:cNvPicPr>
             <a:picLocks noChangeAspect="1"/>
           </p:cNvPicPr>
           <p:nvPr/>
         </p:nvPicPr>
         <p:blipFill>
-          <a:blip r:embed="rId7"/>
-          <a:srcRect l="0" r="0" t="0" b="0"/>
+          <a:blip r:embed="rId9"/>
+          <a:srcRect/>
           <a:stretch/>
         </p:blipFill>
         <p:spPr>
@@ -5247,15 +5413,15 @@
       </p:pic>
       <p:pic>
         <p:nvPicPr>
-          <p:cNvPr id="10" name="Image 7" descr="preencoded.png">    </p:cNvPr>
+          <p:cNvPr id="10" name="Image 7" descr="preencoded.png"/>
           <p:cNvPicPr>
             <a:picLocks noChangeAspect="1"/>
           </p:cNvPicPr>
           <p:nvPr/>
         </p:nvPicPr>
         <p:blipFill>
-          <a:blip r:embed="rId8"/>
-          <a:srcRect l="0" r="0" t="0" b="0"/>
+          <a:blip r:embed="rId10"/>
+          <a:srcRect/>
           <a:stretch/>
         </p:blipFill>
         <p:spPr>
@@ -5289,14 +5455,14 @@
           <a:bodyPr wrap="square" lIns="0" tIns="0" rIns="0" bIns="0" rtlCol="0" anchor="ctr"/>
           <a:lstStyle/>
           <a:p>
-            <a:pPr algn="l" indent="0" marL="0">
+            <a:pPr marL="0" indent="0" algn="l">
               <a:lnSpc>
                 <a:spcPts val="1876"/>
               </a:lnSpc>
               <a:buNone/>
             </a:pPr>
             <a:r>
-              <a:rPr lang="en-US" sz="1876" spc="-38" kern="0" dirty="0">
+              <a:rPr lang="en-US" sz="1876" kern="0" spc="-38" dirty="0">
                 <a:solidFill>
                   <a:srgbClr val="000000">
                     <a:alpha val="99000"/>
@@ -5311,14 +5477,31 @@
             <a:endParaRPr lang="en-US" sz="1876" dirty="0"/>
           </a:p>
           <a:p>
-            <a:pPr algn="l" indent="0" marL="0">
+            <a:pPr>
               <a:lnSpc>
                 <a:spcPts val="1876"/>
               </a:lnSpc>
+            </a:pPr>
+            <a:endParaRPr lang="en-US" sz="1850" kern="0" spc="-38" dirty="0">
+              <a:solidFill>
+                <a:srgbClr val="000000">
+                  <a:alpha val="99000"/>
+                </a:srgbClr>
+              </a:solidFill>
+              <a:latin typeface="IBM Plex Sans"/>
+              <a:ea typeface="IBM Plex Sans" pitchFamily="34" charset="-122"/>
+              <a:cs typeface="IBM Plex Sans" pitchFamily="34" charset="-120"/>
+            </a:endParaRPr>
+          </a:p>
+          <a:p>
+            <a:pPr marL="0" indent="0" algn="l">
+              <a:lnSpc>
+                <a:spcPts val="1876"/>
+              </a:lnSpc>
               <a:buNone/>
             </a:pPr>
             <a:r>
-              <a:rPr lang="en-US" sz="1876" spc="-38" kern="0" dirty="0">
+              <a:rPr lang="en-US" sz="1876" kern="0" spc="-38" dirty="0">
                 <a:solidFill>
                   <a:srgbClr val="000000">
                     <a:alpha val="99000"/>
@@ -5351,6 +5534,7 @@
         <a:solidFill>
           <a:srgbClr val="D8D5C9"/>
         </a:solidFill>
+        <a:effectLst/>
       </p:bgPr>
     </p:bg>
     <p:spTree>
@@ -5369,15 +5553,15 @@
       </p:grpSpPr>
       <p:pic>
         <p:nvPicPr>
-          <p:cNvPr id="2" name="Image 0" descr="preencoded.png">    </p:cNvPr>
+          <p:cNvPr id="2" name="Image 0" descr="preencoded.png"/>
           <p:cNvPicPr>
             <a:picLocks noChangeAspect="1"/>
           </p:cNvPicPr>
           <p:nvPr/>
         </p:nvPicPr>
         <p:blipFill>
-          <a:blip r:embed="rId1"/>
-          <a:srcRect l="0" r="0" t="0" b="0"/>
+          <a:blip r:embed="rId3"/>
+          <a:srcRect/>
           <a:stretch/>
         </p:blipFill>
         <p:spPr>
@@ -5434,14 +5618,14 @@
           <a:bodyPr wrap="square" lIns="0" tIns="0" rIns="0" bIns="0" rtlCol="0" anchor="ctr"/>
           <a:lstStyle/>
           <a:p>
-            <a:pPr algn="l" indent="0" marL="0">
+            <a:pPr marL="0" indent="0" algn="l">
               <a:lnSpc>
                 <a:spcPts val="2280"/>
               </a:lnSpc>
               <a:buNone/>
             </a:pPr>
             <a:r>
-              <a:rPr lang="en-US" sz="2280" b="1" spc="-46" kern="0" dirty="0">
+              <a:rPr lang="en-US" sz="2280" b="1" kern="0" spc="-46" dirty="0">
                 <a:solidFill>
                   <a:srgbClr val="000000">
                     <a:alpha val="99000"/>
@@ -5478,14 +5662,14 @@
           <a:bodyPr wrap="square" lIns="0" tIns="0" rIns="0" bIns="0" rtlCol="0" anchor="ctr"/>
           <a:lstStyle/>
           <a:p>
-            <a:pPr algn="r" indent="0" marL="0">
+            <a:pPr marL="0" indent="0" algn="r">
               <a:lnSpc>
                 <a:spcPts val="998"/>
               </a:lnSpc>
               <a:buNone/>
             </a:pPr>
             <a:r>
-              <a:rPr lang="en-US" sz="713" spc="-14" kern="0" dirty="0">
+              <a:rPr lang="en-US" sz="713" kern="0" spc="-14" dirty="0">
                 <a:solidFill>
                   <a:srgbClr val="000000">
                     <a:alpha val="99000"/>
@@ -5522,7 +5706,7 @@
           <a:bodyPr wrap="square" lIns="0" tIns="0" rIns="0" bIns="0" rtlCol="0" anchor="ctr"/>
           <a:lstStyle/>
           <a:p>
-            <a:pPr algn="l" marL="342900" indent="-342900">
+            <a:pPr marL="342900" indent="-342900" algn="l">
               <a:lnSpc>
                 <a:spcPts val="1737"/>
               </a:lnSpc>
@@ -5530,22 +5714,44 @@
               <a:buChar char="•"/>
             </a:pPr>
             <a:r>
-              <a:rPr lang="en-US" sz="1240" spc="-25" kern="0" dirty="0">
+              <a:rPr lang="en-US" sz="1600" kern="0" spc="-25" dirty="0">
                 <a:solidFill>
                   <a:srgbClr val="000000">
                     <a:alpha val="99000"/>
                   </a:srgbClr>
                 </a:solidFill>
-                <a:latin typeface="IBM Plex Sans" pitchFamily="34" charset="0"/>
+                <a:latin typeface="IBM Plex Sans"/>
                 <a:ea typeface="IBM Plex Sans" pitchFamily="34" charset="-122"/>
                 <a:cs typeface="IBM Plex Sans" pitchFamily="34" charset="-120"/>
               </a:rPr>
               <a:t>Cultural Stereotypes: Girls often receive subtle messaging that STEM is “for boys”</a:t>
             </a:r>
-            <a:endParaRPr lang="en-US" sz="1240" dirty="0"/>
-          </a:p>
-          <a:p>
-            <a:pPr algn="l" marL="342900" indent="-342900">
+            <a:endParaRPr lang="en-US" sz="1600">
+              <a:latin typeface="IBM Plex Sans"/>
+              <a:ea typeface="Calibri"/>
+              <a:cs typeface="Calibri"/>
+            </a:endParaRPr>
+          </a:p>
+          <a:p>
+            <a:pPr>
+              <a:lnSpc>
+                <a:spcPts val="1737"/>
+              </a:lnSpc>
+              <a:buSzPct val="100000"/>
+            </a:pPr>
+            <a:endParaRPr lang="en-US" sz="1600" kern="0" spc="-25" dirty="0">
+              <a:solidFill>
+                <a:srgbClr val="000000">
+                  <a:alpha val="99000"/>
+                </a:srgbClr>
+              </a:solidFill>
+              <a:latin typeface="IBM Plex Sans" pitchFamily="34" charset="-122"/>
+              <a:ea typeface="IBM Plex Sans" pitchFamily="34" charset="-122"/>
+              <a:cs typeface="IBM Plex Sans" pitchFamily="34" charset="-120"/>
+            </a:endParaRPr>
+          </a:p>
+          <a:p>
+            <a:pPr marL="342900" indent="-342900" algn="l">
               <a:lnSpc>
                 <a:spcPts val="1737"/>
               </a:lnSpc>
@@ -5553,22 +5759,44 @@
               <a:buChar char="•"/>
             </a:pPr>
             <a:r>
-              <a:rPr lang="en-US" sz="1240" spc="-25" kern="0" dirty="0">
+              <a:rPr lang="en-US" sz="1600" kern="0" spc="-25" dirty="0">
                 <a:solidFill>
                   <a:srgbClr val="000000">
                     <a:alpha val="99000"/>
                   </a:srgbClr>
                 </a:solidFill>
-                <a:latin typeface="IBM Plex Sans" pitchFamily="34" charset="0"/>
+                <a:latin typeface="IBM Plex Sans"/>
                 <a:ea typeface="IBM Plex Sans" pitchFamily="34" charset="-122"/>
                 <a:cs typeface="IBM Plex Sans" pitchFamily="34" charset="-120"/>
               </a:rPr>
               <a:t>Teacher &amp; Peer Influence: Early bias in encouragement, participation, and recognition</a:t>
             </a:r>
-            <a:endParaRPr lang="en-US" sz="1240" dirty="0"/>
-          </a:p>
-          <a:p>
-            <a:pPr algn="l" marL="342900" indent="-342900">
+            <a:endParaRPr lang="en-US" sz="1600">
+              <a:latin typeface="IBM Plex Sans"/>
+              <a:ea typeface="Calibri"/>
+              <a:cs typeface="Calibri"/>
+            </a:endParaRPr>
+          </a:p>
+          <a:p>
+            <a:pPr>
+              <a:lnSpc>
+                <a:spcPts val="1737"/>
+              </a:lnSpc>
+              <a:buSzPct val="100000"/>
+            </a:pPr>
+            <a:endParaRPr lang="en-US" sz="1600" kern="0" spc="-25" dirty="0">
+              <a:solidFill>
+                <a:srgbClr val="000000">
+                  <a:alpha val="99000"/>
+                </a:srgbClr>
+              </a:solidFill>
+              <a:latin typeface="IBM Plex Sans"/>
+              <a:ea typeface="IBM Plex Sans" pitchFamily="34" charset="-122"/>
+              <a:cs typeface="IBM Plex Sans" pitchFamily="34" charset="-120"/>
+            </a:endParaRPr>
+          </a:p>
+          <a:p>
+            <a:pPr marL="342900" indent="-342900" algn="l">
               <a:lnSpc>
                 <a:spcPts val="1737"/>
               </a:lnSpc>
@@ -5576,22 +5804,44 @@
               <a:buChar char="•"/>
             </a:pPr>
             <a:r>
-              <a:rPr lang="en-US" sz="1240" spc="-25" kern="0" dirty="0">
+              <a:rPr lang="en-US" sz="1600" kern="0" spc="-25" dirty="0">
                 <a:solidFill>
                   <a:srgbClr val="000000">
                     <a:alpha val="99000"/>
                   </a:srgbClr>
                 </a:solidFill>
-                <a:latin typeface="IBM Plex Sans" pitchFamily="34" charset="0"/>
+                <a:latin typeface="IBM Plex Sans"/>
                 <a:ea typeface="IBM Plex Sans" pitchFamily="34" charset="-122"/>
                 <a:cs typeface="IBM Plex Sans" pitchFamily="34" charset="-120"/>
               </a:rPr>
               <a:t>Interest Gap Formation: By middle school, fewer girls pursue STEM extracurricular or electives</a:t>
             </a:r>
-            <a:endParaRPr lang="en-US" sz="1240" dirty="0"/>
-          </a:p>
-          <a:p>
-            <a:pPr algn="l" marL="342900" indent="-342900">
+            <a:endParaRPr lang="en-US" sz="1600">
+              <a:latin typeface="IBM Plex Sans"/>
+              <a:ea typeface="Calibri"/>
+              <a:cs typeface="Calibri"/>
+            </a:endParaRPr>
+          </a:p>
+          <a:p>
+            <a:pPr>
+              <a:lnSpc>
+                <a:spcPts val="1737"/>
+              </a:lnSpc>
+              <a:buSzPct val="100000"/>
+            </a:pPr>
+            <a:endParaRPr lang="en-US" sz="1600" kern="0" spc="-25" dirty="0">
+              <a:solidFill>
+                <a:srgbClr val="000000">
+                  <a:alpha val="99000"/>
+                </a:srgbClr>
+              </a:solidFill>
+              <a:latin typeface="IBM Plex Sans"/>
+              <a:ea typeface="IBM Plex Sans" pitchFamily="34" charset="-122"/>
+              <a:cs typeface="IBM Plex Sans" pitchFamily="34" charset="-120"/>
+            </a:endParaRPr>
+          </a:p>
+          <a:p>
+            <a:pPr marL="342900" indent="-342900" algn="l">
               <a:lnSpc>
                 <a:spcPts val="1737"/>
               </a:lnSpc>
@@ -5599,19 +5849,21 @@
               <a:buChar char="•"/>
             </a:pPr>
             <a:r>
-              <a:rPr lang="en-US" sz="1240" spc="-25" kern="0" dirty="0">
+              <a:rPr lang="en-US" sz="1600" kern="0" spc="-25" dirty="0">
                 <a:solidFill>
                   <a:srgbClr val="000000">
                     <a:alpha val="99000"/>
                   </a:srgbClr>
                 </a:solidFill>
-                <a:latin typeface="IBM Plex Sans" pitchFamily="34" charset="0"/>
+                <a:latin typeface="IBM Plex Sans"/>
                 <a:ea typeface="IBM Plex Sans" pitchFamily="34" charset="-122"/>
                 <a:cs typeface="IBM Plex Sans" pitchFamily="34" charset="-120"/>
               </a:rPr>
               <a:t>Early Decision Impact: These early leaks reduce the number of girls entering STEM degrees, starting the long-term attrition process</a:t>
             </a:r>
-            <a:endParaRPr lang="en-US" sz="1240" dirty="0"/>
+            <a:endParaRPr lang="en-US" sz="1600" dirty="0">
+              <a:latin typeface="IBM Plex Sans"/>
+            </a:endParaRPr>
           </a:p>
         </p:txBody>
       </p:sp>
@@ -5631,6 +5883,7 @@
         <a:solidFill>
           <a:srgbClr val="C2D6B4"/>
         </a:solidFill>
+        <a:effectLst/>
       </p:bgPr>
     </p:bg>
     <p:spTree>
@@ -5649,15 +5902,15 @@
       </p:grpSpPr>
       <p:pic>
         <p:nvPicPr>
-          <p:cNvPr id="2" name="Image 0" descr="preencoded.png">    </p:cNvPr>
+          <p:cNvPr id="2" name="Image 0" descr="preencoded.png"/>
           <p:cNvPicPr>
             <a:picLocks noChangeAspect="1"/>
           </p:cNvPicPr>
           <p:nvPr/>
         </p:nvPicPr>
         <p:blipFill>
-          <a:blip r:embed="rId1"/>
-          <a:srcRect l="0" r="8996" t="0" b="84707"/>
+          <a:blip r:embed="rId3"/>
+          <a:srcRect r="8996" b="84707"/>
           <a:stretch/>
         </p:blipFill>
         <p:spPr>
@@ -5714,14 +5967,14 @@
           <a:bodyPr wrap="square" lIns="0" tIns="0" rIns="0" bIns="0" rtlCol="0" anchor="ctr"/>
           <a:lstStyle/>
           <a:p>
-            <a:pPr algn="r" indent="0" marL="0">
+            <a:pPr marL="0" indent="0" algn="r">
               <a:lnSpc>
                 <a:spcPts val="705"/>
               </a:lnSpc>
               <a:buNone/>
             </a:pPr>
             <a:r>
-              <a:rPr lang="en-US" sz="641" spc="32" kern="0" dirty="0">
+              <a:rPr lang="en-US" sz="641" kern="0" spc="32" dirty="0">
                 <a:solidFill>
                   <a:srgbClr val="1E334C">
                     <a:alpha val="99000"/>
@@ -5739,15 +5992,15 @@
       </p:sp>
       <p:pic>
         <p:nvPicPr>
-          <p:cNvPr id="5" name="Image 1" descr="preencoded.png">    </p:cNvPr>
+          <p:cNvPr id="5" name="Image 1" descr="preencoded.png"/>
           <p:cNvPicPr>
             <a:picLocks noChangeAspect="1"/>
           </p:cNvPicPr>
           <p:nvPr/>
         </p:nvPicPr>
         <p:blipFill>
-          <a:blip r:embed="rId2"/>
-          <a:srcRect l="0" r="0" t="0" b="0"/>
+          <a:blip r:embed="rId4"/>
+          <a:srcRect/>
           <a:stretch/>
         </p:blipFill>
         <p:spPr>
@@ -5781,14 +6034,14 @@
           <a:bodyPr wrap="square" lIns="0" tIns="0" rIns="0" bIns="0" rtlCol="0" anchor="ctr"/>
           <a:lstStyle/>
           <a:p>
-            <a:pPr algn="l" indent="0" marL="0">
+            <a:pPr marL="0" indent="0" algn="l">
               <a:lnSpc>
                 <a:spcPts val="2508"/>
               </a:lnSpc>
               <a:buNone/>
             </a:pPr>
             <a:r>
-              <a:rPr lang="en-US" sz="2280" b="1" spc="-91" kern="0" dirty="0">
+              <a:rPr lang="en-US" sz="2280" b="1" kern="0" spc="-91" dirty="0">
                 <a:solidFill>
                   <a:srgbClr val="000000">
                     <a:alpha val="99000"/>
@@ -5825,7 +6078,7 @@
           <a:bodyPr wrap="square" lIns="0" tIns="0" rIns="0" bIns="0" rtlCol="0" anchor="ctr"/>
           <a:lstStyle/>
           <a:p>
-            <a:pPr algn="l" marL="342900" indent="-342900">
+            <a:pPr marL="342900" indent="-342900" algn="l">
               <a:lnSpc>
                 <a:spcPts val="1472"/>
               </a:lnSpc>
@@ -5833,7 +6086,7 @@
               <a:buChar char="•"/>
             </a:pPr>
             <a:r>
-              <a:rPr lang="en-US" sz="1338" spc="67" kern="0" dirty="0">
+              <a:rPr lang="en-US" sz="1338" kern="0" spc="67" dirty="0">
                 <a:solidFill>
                   <a:srgbClr val="000000">
                     <a:alpha val="99000"/>
@@ -5848,7 +6101,25 @@
             <a:endParaRPr lang="en-US" sz="1338" dirty="0"/>
           </a:p>
           <a:p>
-            <a:pPr algn="l" marL="342900" indent="-342900">
+            <a:pPr>
+              <a:lnSpc>
+                <a:spcPts val="1472"/>
+              </a:lnSpc>
+              <a:buSzPct val="100000"/>
+            </a:pPr>
+            <a:endParaRPr lang="en-US" sz="1300" kern="0" spc="67" dirty="0">
+              <a:solidFill>
+                <a:srgbClr val="000000">
+                  <a:alpha val="99000"/>
+                </a:srgbClr>
+              </a:solidFill>
+              <a:latin typeface="DM Sans" pitchFamily="34" charset="-122"/>
+              <a:ea typeface="DM Sans" pitchFamily="34" charset="-122"/>
+              <a:cs typeface="DM Sans" pitchFamily="34" charset="-120"/>
+            </a:endParaRPr>
+          </a:p>
+          <a:p>
+            <a:pPr marL="342900" indent="-342900" algn="l">
               <a:lnSpc>
                 <a:spcPts val="1472"/>
               </a:lnSpc>
@@ -5856,7 +6127,7 @@
               <a:buChar char="•"/>
             </a:pPr>
             <a:r>
-              <a:rPr lang="en-US" sz="1338" spc="67" kern="0" dirty="0">
+              <a:rPr lang="en-US" sz="1338" kern="0" spc="67" dirty="0">
                 <a:solidFill>
                   <a:srgbClr val="000000">
                     <a:alpha val="99000"/>
@@ -5871,7 +6142,25 @@
             <a:endParaRPr lang="en-US" sz="1338" dirty="0"/>
           </a:p>
           <a:p>
-            <a:pPr algn="l" marL="342900" indent="-342900">
+            <a:pPr>
+              <a:lnSpc>
+                <a:spcPts val="1472"/>
+              </a:lnSpc>
+              <a:buSzPct val="100000"/>
+            </a:pPr>
+            <a:endParaRPr lang="en-US" sz="1300" kern="0" spc="67" dirty="0">
+              <a:solidFill>
+                <a:srgbClr val="000000">
+                  <a:alpha val="99000"/>
+                </a:srgbClr>
+              </a:solidFill>
+              <a:latin typeface="DM Sans" pitchFamily="34" charset="-122"/>
+              <a:ea typeface="DM Sans" pitchFamily="34" charset="-122"/>
+              <a:cs typeface="DM Sans" pitchFamily="34" charset="-120"/>
+            </a:endParaRPr>
+          </a:p>
+          <a:p>
+            <a:pPr marL="342900" indent="-342900" algn="l">
               <a:lnSpc>
                 <a:spcPts val="1472"/>
               </a:lnSpc>
@@ -5879,7 +6168,7 @@
               <a:buChar char="•"/>
             </a:pPr>
             <a:r>
-              <a:rPr lang="en-US" sz="1338" spc="67" kern="0" dirty="0">
+              <a:rPr lang="en-US" sz="1338" kern="0" spc="67" dirty="0">
                 <a:solidFill>
                   <a:srgbClr val="000000">
                     <a:alpha val="99000"/>
@@ -5894,7 +6183,25 @@
             <a:endParaRPr lang="en-US" sz="1338" dirty="0"/>
           </a:p>
           <a:p>
-            <a:pPr algn="l" marL="342900" indent="-342900">
+            <a:pPr>
+              <a:lnSpc>
+                <a:spcPts val="1472"/>
+              </a:lnSpc>
+              <a:buSzPct val="100000"/>
+            </a:pPr>
+            <a:endParaRPr lang="en-US" sz="1300" kern="0" spc="67" dirty="0">
+              <a:solidFill>
+                <a:srgbClr val="000000">
+                  <a:alpha val="99000"/>
+                </a:srgbClr>
+              </a:solidFill>
+              <a:latin typeface="DM Sans"/>
+              <a:ea typeface="DM Sans" pitchFamily="34" charset="-122"/>
+              <a:cs typeface="DM Sans" pitchFamily="34" charset="-120"/>
+            </a:endParaRPr>
+          </a:p>
+          <a:p>
+            <a:pPr marL="342900" indent="-342900" algn="l">
               <a:lnSpc>
                 <a:spcPts val="1472"/>
               </a:lnSpc>
@@ -5902,7 +6209,7 @@
               <a:buChar char="•"/>
             </a:pPr>
             <a:r>
-              <a:rPr lang="en-US" sz="1338" spc="67" kern="0" dirty="0">
+              <a:rPr lang="en-US" sz="1338" kern="0" spc="67" dirty="0">
                 <a:solidFill>
                   <a:srgbClr val="000000">
                     <a:alpha val="99000"/>
@@ -5934,6 +6241,7 @@
         <a:solidFill>
           <a:srgbClr val="B7D8FF"/>
         </a:solidFill>
+        <a:effectLst/>
       </p:bgPr>
     </p:bg>
     <p:spTree>
@@ -5952,15 +6260,15 @@
       </p:grpSpPr>
       <p:pic>
         <p:nvPicPr>
-          <p:cNvPr id="2" name="Image 0" descr="preencoded.png">    </p:cNvPr>
+          <p:cNvPr id="2" name="Image 0" descr="preencoded.png"/>
           <p:cNvPicPr>
             <a:picLocks noChangeAspect="1"/>
           </p:cNvPicPr>
           <p:nvPr/>
         </p:nvPicPr>
         <p:blipFill>
-          <a:blip r:embed="rId1"/>
-          <a:srcRect l="0" r="0" t="0" b="17134"/>
+          <a:blip r:embed="rId3"/>
+          <a:srcRect b="17134"/>
           <a:stretch/>
         </p:blipFill>
         <p:spPr>
@@ -5998,15 +6306,15 @@
       </p:sp>
       <p:pic>
         <p:nvPicPr>
-          <p:cNvPr id="4" name="Image 1" descr="preencoded.png">    </p:cNvPr>
+          <p:cNvPr id="4" name="Image 1" descr="preencoded.png"/>
           <p:cNvPicPr>
             <a:picLocks noChangeAspect="1"/>
           </p:cNvPicPr>
           <p:nvPr/>
         </p:nvPicPr>
         <p:blipFill>
-          <a:blip r:embed="rId2"/>
-          <a:srcRect l="0" r="3421" t="0" b="0"/>
+          <a:blip r:embed="rId4"/>
+          <a:srcRect r="3421"/>
           <a:stretch/>
         </p:blipFill>
         <p:spPr>
@@ -6040,14 +6348,14 @@
           <a:bodyPr wrap="square" lIns="0" tIns="0" rIns="0" bIns="0" rtlCol="0" anchor="ctr"/>
           <a:lstStyle/>
           <a:p>
-            <a:pPr algn="r" indent="0" marL="0">
+            <a:pPr marL="0" indent="0" algn="r">
               <a:lnSpc>
                 <a:spcPts val="705"/>
               </a:lnSpc>
               <a:buNone/>
             </a:pPr>
             <a:r>
-              <a:rPr lang="en-US" sz="641" spc="32" kern="0" dirty="0">
+              <a:rPr lang="en-US" sz="641" kern="0" spc="32" dirty="0">
                 <a:solidFill>
                   <a:srgbClr val="1E334C">
                     <a:alpha val="99000"/>
@@ -6084,14 +6392,14 @@
           <a:bodyPr wrap="square" lIns="0" tIns="0" rIns="0" bIns="0" rtlCol="0" anchor="ctr"/>
           <a:lstStyle/>
           <a:p>
-            <a:pPr algn="l" indent="0" marL="0">
+            <a:pPr marL="0" indent="0" algn="l">
               <a:lnSpc>
                 <a:spcPts val="2508"/>
               </a:lnSpc>
               <a:buNone/>
             </a:pPr>
             <a:r>
-              <a:rPr lang="en-US" sz="2280" b="1" spc="114" kern="0" dirty="0">
+              <a:rPr lang="en-US" sz="2280" b="1" kern="0" spc="114" dirty="0">
                 <a:solidFill>
                   <a:srgbClr val="000000">
                     <a:alpha val="99000"/>
@@ -6115,8 +6423,8 @@
         </p:nvSpPr>
         <p:spPr>
           <a:xfrm>
-            <a:off x="280988" y="1776413"/>
-            <a:ext cx="4217547" cy="2290763"/>
+            <a:off x="303181" y="1454598"/>
+            <a:ext cx="4195354" cy="2939942"/>
           </a:xfrm>
           <a:prstGeom prst="rect">
             <a:avLst/>
@@ -6128,7 +6436,7 @@
           <a:bodyPr wrap="square" lIns="0" tIns="0" rIns="0" bIns="0" rtlCol="0" anchor="ctr"/>
           <a:lstStyle/>
           <a:p>
-            <a:pPr algn="l" marL="342900" indent="-342900">
+            <a:pPr marL="342900" indent="-342900" algn="l">
               <a:lnSpc>
                 <a:spcPts val="1320"/>
               </a:lnSpc>
@@ -6136,22 +6444,44 @@
               <a:buChar char="•"/>
             </a:pPr>
             <a:r>
-              <a:rPr lang="en-US" sz="1200" spc="60" kern="0" dirty="0">
+              <a:rPr lang="en-US" sz="1600" kern="0" spc="60" dirty="0">
                 <a:solidFill>
                   <a:srgbClr val="000000">
                     <a:alpha val="99000"/>
                   </a:srgbClr>
                 </a:solidFill>
-                <a:latin typeface="DM Sans" pitchFamily="34" charset="0"/>
+                <a:latin typeface="DM Sans"/>
                 <a:ea typeface="DM Sans" pitchFamily="34" charset="-122"/>
                 <a:cs typeface="DM Sans" pitchFamily="34" charset="-120"/>
               </a:rPr>
               <a:t>Bias in Assignments: Women often receive less challenging or less “prestige” projects</a:t>
             </a:r>
-            <a:endParaRPr lang="en-US" sz="1200" dirty="0"/>
-          </a:p>
-          <a:p>
-            <a:pPr algn="l" marL="342900" indent="-342900">
+            <a:endParaRPr lang="en-US" sz="1600">
+              <a:latin typeface="DM Sans"/>
+              <a:ea typeface="Calibri"/>
+              <a:cs typeface="Calibri"/>
+            </a:endParaRPr>
+          </a:p>
+          <a:p>
+            <a:pPr>
+              <a:lnSpc>
+                <a:spcPts val="1320"/>
+              </a:lnSpc>
+              <a:buSzPct val="100000"/>
+            </a:pPr>
+            <a:endParaRPr lang="en-US" sz="1600" kern="0" spc="60" dirty="0">
+              <a:solidFill>
+                <a:srgbClr val="000000">
+                  <a:alpha val="99000"/>
+                </a:srgbClr>
+              </a:solidFill>
+              <a:latin typeface="DM Sans"/>
+              <a:ea typeface="DM Sans" pitchFamily="34" charset="-122"/>
+              <a:cs typeface="DM Sans" pitchFamily="34" charset="-120"/>
+            </a:endParaRPr>
+          </a:p>
+          <a:p>
+            <a:pPr marL="342900" indent="-342900" algn="l">
               <a:lnSpc>
                 <a:spcPts val="1320"/>
               </a:lnSpc>
@@ -6159,22 +6489,44 @@
               <a:buChar char="•"/>
             </a:pPr>
             <a:r>
-              <a:rPr lang="en-US" sz="1200" spc="60" kern="0" dirty="0">
+              <a:rPr lang="en-US" sz="1600" kern="0" spc="60" dirty="0">
                 <a:solidFill>
                   <a:srgbClr val="000000">
                     <a:alpha val="99000"/>
                   </a:srgbClr>
                 </a:solidFill>
-                <a:latin typeface="DM Sans" pitchFamily="34" charset="0"/>
+                <a:latin typeface="DM Sans"/>
                 <a:ea typeface="DM Sans" pitchFamily="34" charset="-122"/>
                 <a:cs typeface="DM Sans" pitchFamily="34" charset="-120"/>
               </a:rPr>
               <a:t>Early Performance vs. Potential Gap: Men are promoted on perceived potential; women on proven performance</a:t>
             </a:r>
-            <a:endParaRPr lang="en-US" sz="1200" dirty="0"/>
-          </a:p>
-          <a:p>
-            <a:pPr algn="l" marL="342900" indent="-342900">
+            <a:endParaRPr lang="en-US" sz="1600">
+              <a:latin typeface="DM Sans"/>
+              <a:ea typeface="Calibri"/>
+              <a:cs typeface="Calibri"/>
+            </a:endParaRPr>
+          </a:p>
+          <a:p>
+            <a:pPr>
+              <a:lnSpc>
+                <a:spcPts val="1320"/>
+              </a:lnSpc>
+              <a:buSzPct val="100000"/>
+            </a:pPr>
+            <a:endParaRPr lang="en-US" sz="1600" kern="0" spc="60" dirty="0">
+              <a:solidFill>
+                <a:srgbClr val="000000">
+                  <a:alpha val="99000"/>
+                </a:srgbClr>
+              </a:solidFill>
+              <a:latin typeface="DM Sans"/>
+              <a:ea typeface="DM Sans" pitchFamily="34" charset="-122"/>
+              <a:cs typeface="DM Sans" pitchFamily="34" charset="-120"/>
+            </a:endParaRPr>
+          </a:p>
+          <a:p>
+            <a:pPr marL="342900" indent="-342900" algn="l">
               <a:lnSpc>
                 <a:spcPts val="1320"/>
               </a:lnSpc>
@@ -6182,22 +6534,44 @@
               <a:buChar char="•"/>
             </a:pPr>
             <a:r>
-              <a:rPr lang="en-US" sz="1200" spc="60" kern="0" dirty="0">
+              <a:rPr lang="en-US" sz="1600" kern="0" spc="60" dirty="0">
                 <a:solidFill>
                   <a:srgbClr val="000000">
                     <a:alpha val="99000"/>
                   </a:srgbClr>
                 </a:solidFill>
-                <a:latin typeface="DM Sans" pitchFamily="34" charset="0"/>
+                <a:latin typeface="DM Sans"/>
                 <a:ea typeface="DM Sans" pitchFamily="34" charset="-122"/>
                 <a:cs typeface="DM Sans" pitchFamily="34" charset="-120"/>
               </a:rPr>
               <a:t>Social Exclusion: Networking, after-work socialization, and mentorship often favor men</a:t>
             </a:r>
-            <a:endParaRPr lang="en-US" sz="1200" dirty="0"/>
-          </a:p>
-          <a:p>
-            <a:pPr algn="l" marL="342900" indent="-342900">
+            <a:endParaRPr lang="en-US" sz="1600">
+              <a:latin typeface="DM Sans"/>
+              <a:ea typeface="Calibri"/>
+              <a:cs typeface="Calibri"/>
+            </a:endParaRPr>
+          </a:p>
+          <a:p>
+            <a:pPr>
+              <a:lnSpc>
+                <a:spcPts val="1320"/>
+              </a:lnSpc>
+              <a:buSzPct val="100000"/>
+            </a:pPr>
+            <a:endParaRPr lang="en-US" sz="1600" kern="0" spc="60" dirty="0">
+              <a:solidFill>
+                <a:srgbClr val="000000">
+                  <a:alpha val="99000"/>
+                </a:srgbClr>
+              </a:solidFill>
+              <a:latin typeface="DM Sans"/>
+              <a:ea typeface="DM Sans" pitchFamily="34" charset="-122"/>
+              <a:cs typeface="DM Sans" pitchFamily="34" charset="-120"/>
+            </a:endParaRPr>
+          </a:p>
+          <a:p>
+            <a:pPr marL="342900" indent="-342900" algn="l">
               <a:lnSpc>
                 <a:spcPts val="1320"/>
               </a:lnSpc>
@@ -6205,19 +6579,21 @@
               <a:buChar char="•"/>
             </a:pPr>
             <a:r>
-              <a:rPr lang="en-US" sz="1200" spc="60" kern="0" dirty="0">
+              <a:rPr lang="en-US" sz="1600" kern="0" spc="60" dirty="0">
                 <a:solidFill>
                   <a:srgbClr val="000000">
                     <a:alpha val="99000"/>
                   </a:srgbClr>
                 </a:solidFill>
-                <a:latin typeface="DM Sans" pitchFamily="34" charset="0"/>
+                <a:latin typeface="DM Sans"/>
                 <a:ea typeface="DM Sans" pitchFamily="34" charset="-122"/>
                 <a:cs typeface="DM Sans" pitchFamily="34" charset="-120"/>
               </a:rPr>
               <a:t>First Promotions Matter: Missing early advancement opportunities creates long-term attrition risk</a:t>
             </a:r>
-            <a:endParaRPr lang="en-US" sz="1200" dirty="0"/>
+            <a:endParaRPr lang="en-US" sz="1600" dirty="0">
+              <a:latin typeface="DM Sans"/>
+            </a:endParaRPr>
           </a:p>
         </p:txBody>
       </p:sp>
@@ -6237,6 +6613,7 @@
         <a:solidFill>
           <a:srgbClr val="EEEEE7"/>
         </a:solidFill>
+        <a:effectLst/>
       </p:bgPr>
     </p:bg>
     <p:spTree>
@@ -6255,15 +6632,15 @@
       </p:grpSpPr>
       <p:pic>
         <p:nvPicPr>
-          <p:cNvPr id="2" name="Image 0" descr="preencoded.png">    </p:cNvPr>
+          <p:cNvPr id="2" name="Image 0" descr="preencoded.png"/>
           <p:cNvPicPr>
             <a:picLocks noChangeAspect="1"/>
           </p:cNvPicPr>
           <p:nvPr/>
         </p:nvPicPr>
         <p:blipFill>
-          <a:blip r:embed="rId1"/>
-          <a:srcRect l="0" r="10623" t="0" b="84224"/>
+          <a:blip r:embed="rId3"/>
+          <a:srcRect r="10623" b="84224"/>
           <a:stretch/>
         </p:blipFill>
         <p:spPr>
@@ -6284,8 +6661,8 @@
         </p:nvSpPr>
         <p:spPr>
           <a:xfrm>
-            <a:off x="304800" y="3233738"/>
-            <a:ext cx="2695575" cy="295275"/>
+            <a:off x="304800" y="3283675"/>
+            <a:ext cx="2695575" cy="500570"/>
           </a:xfrm>
           <a:prstGeom prst="rect">
             <a:avLst/>
@@ -6297,26 +6674,30 @@
           <a:bodyPr wrap="square" lIns="0" tIns="0" rIns="0" bIns="0" rtlCol="0" anchor="ctr"/>
           <a:lstStyle/>
           <a:p>
-            <a:pPr algn="l" indent="0" marL="0">
+            <a:pPr marL="0" indent="0" algn="l">
               <a:lnSpc>
                 <a:spcPts val="1097"/>
               </a:lnSpc>
               <a:buNone/>
             </a:pPr>
             <a:r>
-              <a:rPr lang="en-US" sz="998" spc="50" kern="0" dirty="0">
+              <a:rPr lang="en-US" sz="1200" kern="0" spc="50" dirty="0">
                 <a:solidFill>
                   <a:srgbClr val="1E334C">
                     <a:alpha val="99000"/>
                   </a:srgbClr>
                 </a:solidFill>
-                <a:latin typeface="DM Sans" pitchFamily="34" charset="0"/>
+                <a:latin typeface="DM Sans"/>
                 <a:ea typeface="DM Sans" pitchFamily="34" charset="-122"/>
                 <a:cs typeface="DM Sans" pitchFamily="34" charset="-120"/>
               </a:rPr>
               <a:t>Early promotions disproportionately favor men, creating long-term gaps</a:t>
             </a:r>
-            <a:endParaRPr lang="en-US" sz="998" dirty="0"/>
+            <a:endParaRPr lang="en-US" sz="1200">
+              <a:latin typeface="DM Sans"/>
+              <a:ea typeface="Calibri"/>
+              <a:cs typeface="Calibri"/>
+            </a:endParaRPr>
           </a:p>
         </p:txBody>
       </p:sp>
@@ -6328,7 +6709,7 @@
         </p:nvSpPr>
         <p:spPr>
           <a:xfrm>
-            <a:off x="3224213" y="3262313"/>
+            <a:off x="3224213" y="3367735"/>
             <a:ext cx="2695575" cy="295275"/>
           </a:xfrm>
           <a:prstGeom prst="rect">
@@ -6341,26 +6722,30 @@
           <a:bodyPr wrap="square" lIns="0" tIns="0" rIns="0" bIns="0" rtlCol="0" anchor="ctr"/>
           <a:lstStyle/>
           <a:p>
-            <a:pPr algn="l" indent="0" marL="0">
+            <a:pPr marL="0" indent="0" algn="l">
               <a:lnSpc>
                 <a:spcPts val="1097"/>
               </a:lnSpc>
               <a:buNone/>
             </a:pPr>
             <a:r>
-              <a:rPr lang="en-US" sz="998" spc="50" kern="0" dirty="0">
+              <a:rPr lang="en-US" sz="1200" kern="0" spc="50" dirty="0">
                 <a:solidFill>
                   <a:srgbClr val="1E334C">
                     <a:alpha val="99000"/>
                   </a:srgbClr>
                 </a:solidFill>
-                <a:latin typeface="DM Sans" pitchFamily="34" charset="0"/>
+                <a:latin typeface="DM Sans"/>
                 <a:ea typeface="DM Sans" pitchFamily="34" charset="-122"/>
                 <a:cs typeface="DM Sans" pitchFamily="34" charset="-120"/>
               </a:rPr>
               <a:t>Non-promotable tasks slow career advancement for women</a:t>
             </a:r>
-            <a:endParaRPr lang="en-US" sz="998" dirty="0"/>
+            <a:endParaRPr lang="en-US" sz="1200">
+              <a:latin typeface="DM Sans"/>
+              <a:ea typeface="Calibri"/>
+              <a:cs typeface="Calibri"/>
+            </a:endParaRPr>
           </a:p>
         </p:txBody>
       </p:sp>
@@ -6372,7 +6757,7 @@
         </p:nvSpPr>
         <p:spPr>
           <a:xfrm>
-            <a:off x="6143625" y="3233738"/>
+            <a:off x="6138076" y="3366903"/>
             <a:ext cx="2695575" cy="295275"/>
           </a:xfrm>
           <a:prstGeom prst="rect">
@@ -6385,26 +6770,30 @@
           <a:bodyPr wrap="square" lIns="0" tIns="0" rIns="0" bIns="0" rtlCol="0" anchor="ctr"/>
           <a:lstStyle/>
           <a:p>
-            <a:pPr algn="l" indent="0" marL="0">
+            <a:pPr marL="0" indent="0" algn="l">
               <a:lnSpc>
                 <a:spcPts val="1097"/>
               </a:lnSpc>
               <a:buNone/>
             </a:pPr>
             <a:r>
-              <a:rPr lang="en-US" sz="998" spc="50" kern="0" dirty="0">
+              <a:rPr lang="en-US" sz="1200" kern="0" spc="50" dirty="0">
                 <a:solidFill>
                   <a:srgbClr val="1E334C">
                     <a:alpha val="99000"/>
                   </a:srgbClr>
                 </a:solidFill>
-                <a:latin typeface="DM Sans" pitchFamily="34" charset="0"/>
+                <a:latin typeface="DM Sans"/>
                 <a:ea typeface="DM Sans" pitchFamily="34" charset="-122"/>
                 <a:cs typeface="DM Sans" pitchFamily="34" charset="-120"/>
               </a:rPr>
               <a:t>Caregiving responsibilities intersect with career growth, leading to exits</a:t>
             </a:r>
-            <a:endParaRPr lang="en-US" sz="998" dirty="0"/>
+            <a:endParaRPr lang="en-US" sz="1200">
+              <a:latin typeface="DM Sans"/>
+              <a:ea typeface="Calibri"/>
+              <a:cs typeface="Calibri"/>
+            </a:endParaRPr>
           </a:p>
         </p:txBody>
       </p:sp>
@@ -6429,26 +6818,28 @@
           <a:bodyPr wrap="square" lIns="0" tIns="0" rIns="0" bIns="0" rtlCol="0" anchor="ctr"/>
           <a:lstStyle/>
           <a:p>
-            <a:pPr algn="l" indent="0" marL="0">
+            <a:pPr marL="0" indent="0" algn="l">
               <a:lnSpc>
                 <a:spcPts val="1097"/>
               </a:lnSpc>
               <a:buNone/>
             </a:pPr>
             <a:r>
-              <a:rPr lang="en-US" sz="998" spc="-40" kern="0" dirty="0">
+              <a:rPr lang="en-US" sz="1400" b="1" kern="0" spc="-40" dirty="0">
                 <a:solidFill>
                   <a:srgbClr val="1E334C">
                     <a:alpha val="99000"/>
                   </a:srgbClr>
                 </a:solidFill>
-                <a:latin typeface="Unbounded" pitchFamily="34" charset="0"/>
+                <a:latin typeface="Unbounded"/>
                 <a:ea typeface="Unbounded" pitchFamily="34" charset="-122"/>
                 <a:cs typeface="Unbounded" pitchFamily="34" charset="-120"/>
               </a:rPr>
               <a:t>BROKEN RUNG</a:t>
             </a:r>
-            <a:endParaRPr lang="en-US" sz="998" dirty="0"/>
+            <a:endParaRPr lang="en-US" sz="1400" b="1" dirty="0">
+              <a:latin typeface="Unbounded"/>
+            </a:endParaRPr>
           </a:p>
         </p:txBody>
       </p:sp>
@@ -6461,7 +6852,7 @@
         <p:spPr>
           <a:xfrm>
             <a:off x="3224213" y="2962275"/>
-            <a:ext cx="2695575" cy="147638"/>
+            <a:ext cx="2695575" cy="314093"/>
           </a:xfrm>
           <a:prstGeom prst="rect">
             <a:avLst/>
@@ -6473,26 +6864,30 @@
           <a:bodyPr wrap="square" lIns="0" tIns="0" rIns="0" bIns="0" rtlCol="0" anchor="ctr"/>
           <a:lstStyle/>
           <a:p>
-            <a:pPr algn="l" indent="0" marL="0">
+            <a:pPr marL="0" indent="0" algn="l">
               <a:lnSpc>
                 <a:spcPts val="1097"/>
               </a:lnSpc>
               <a:buNone/>
             </a:pPr>
             <a:r>
-              <a:rPr lang="en-US" sz="998" spc="-40" kern="0" dirty="0">
+              <a:rPr lang="en-US" sz="1400" b="1" kern="0" spc="-40" dirty="0">
                 <a:solidFill>
                   <a:srgbClr val="1E334C">
                     <a:alpha val="99000"/>
                   </a:srgbClr>
                 </a:solidFill>
-                <a:latin typeface="Unbounded" pitchFamily="34" charset="0"/>
+                <a:latin typeface="Unbounded"/>
                 <a:ea typeface="Unbounded" pitchFamily="34" charset="-122"/>
                 <a:cs typeface="Unbounded" pitchFamily="34" charset="-120"/>
               </a:rPr>
               <a:t>GLUE WORK &amp; INVISIBLE LABOR</a:t>
             </a:r>
-            <a:endParaRPr lang="en-US" sz="998" dirty="0"/>
+            <a:endParaRPr lang="en-US" sz="1400" b="1">
+              <a:latin typeface="Unbounded"/>
+              <a:ea typeface="Calibri"/>
+              <a:cs typeface="Calibri"/>
+            </a:endParaRPr>
           </a:p>
         </p:txBody>
       </p:sp>
@@ -6517,40 +6912,44 @@
           <a:bodyPr wrap="square" lIns="0" tIns="0" rIns="0" bIns="0" rtlCol="0" anchor="ctr"/>
           <a:lstStyle/>
           <a:p>
-            <a:pPr algn="l" indent="0" marL="0">
+            <a:pPr marL="0" indent="0" algn="l">
               <a:lnSpc>
                 <a:spcPts val="1097"/>
               </a:lnSpc>
               <a:buNone/>
             </a:pPr>
             <a:r>
-              <a:rPr lang="en-US" sz="998" spc="-40" kern="0" dirty="0">
+              <a:rPr lang="en-US" sz="1400" b="1" kern="0" spc="-40" dirty="0">
                 <a:solidFill>
                   <a:srgbClr val="1E334C">
                     <a:alpha val="99000"/>
                   </a:srgbClr>
                 </a:solidFill>
-                <a:latin typeface="Unbounded" pitchFamily="34" charset="0"/>
-                <a:ea typeface="Unbounded" pitchFamily="34" charset="-122"/>
+                <a:latin typeface="Unbounded"/>
+                <a:ea typeface="Unbounded"/>
                 <a:cs typeface="Unbounded" pitchFamily="34" charset="-120"/>
               </a:rPr>
               <a:t>MOTHERHOOD PENALTY</a:t>
             </a:r>
-            <a:endParaRPr lang="en-US" sz="998" dirty="0"/>
+            <a:endParaRPr lang="en-US" sz="1400" b="1">
+              <a:latin typeface="Unbounded"/>
+              <a:ea typeface="Unbounded"/>
+              <a:cs typeface="Calibri"/>
+            </a:endParaRPr>
           </a:p>
         </p:txBody>
       </p:sp>
       <p:pic>
         <p:nvPicPr>
-          <p:cNvPr id="9" name="Image 1" descr="preencoded.png">    </p:cNvPr>
+          <p:cNvPr id="9" name="Image 1" descr="preencoded.png"/>
           <p:cNvPicPr>
             <a:picLocks noChangeAspect="1"/>
           </p:cNvPicPr>
           <p:nvPr/>
         </p:nvPicPr>
         <p:blipFill>
-          <a:blip r:embed="rId2"/>
-          <a:srcRect l="0" r="0" t="0" b="0"/>
+          <a:blip r:embed="rId4"/>
+          <a:srcRect/>
           <a:stretch/>
         </p:blipFill>
         <p:spPr>
@@ -6565,15 +6964,15 @@
       </p:pic>
       <p:pic>
         <p:nvPicPr>
-          <p:cNvPr id="10" name="Image 2" descr="preencoded.png">    </p:cNvPr>
+          <p:cNvPr id="10" name="Image 2" descr="preencoded.png"/>
           <p:cNvPicPr>
             <a:picLocks noChangeAspect="1"/>
           </p:cNvPicPr>
           <p:nvPr/>
         </p:nvPicPr>
         <p:blipFill>
-          <a:blip r:embed="rId3"/>
-          <a:srcRect l="0" r="0" t="0" b="0"/>
+          <a:blip r:embed="rId5"/>
+          <a:srcRect/>
           <a:stretch/>
         </p:blipFill>
         <p:spPr>
@@ -6588,15 +6987,15 @@
       </p:pic>
       <p:pic>
         <p:nvPicPr>
-          <p:cNvPr id="11" name="Image 3" descr="preencoded.png">    </p:cNvPr>
+          <p:cNvPr id="11" name="Image 3" descr="preencoded.png"/>
           <p:cNvPicPr>
             <a:picLocks noChangeAspect="1"/>
           </p:cNvPicPr>
           <p:nvPr/>
         </p:nvPicPr>
         <p:blipFill>
-          <a:blip r:embed="rId4"/>
-          <a:srcRect l="0" r="0" t="0" b="0"/>
+          <a:blip r:embed="rId6"/>
+          <a:srcRect/>
           <a:stretch/>
         </p:blipFill>
         <p:spPr>
@@ -6653,14 +7052,14 @@
           <a:bodyPr wrap="square" lIns="0" tIns="0" rIns="0" bIns="0" rtlCol="0" anchor="ctr"/>
           <a:lstStyle/>
           <a:p>
-            <a:pPr algn="r" indent="0" marL="0">
+            <a:pPr marL="0" indent="0" algn="r">
               <a:lnSpc>
                 <a:spcPts val="705"/>
               </a:lnSpc>
               <a:buNone/>
             </a:pPr>
             <a:r>
-              <a:rPr lang="en-US" sz="641" spc="32" kern="0" dirty="0">
+              <a:rPr lang="en-US" sz="641" kern="0" spc="32" dirty="0">
                 <a:solidFill>
                   <a:srgbClr val="1E334C">
                     <a:alpha val="99000"/>
@@ -6697,14 +7096,14 @@
           <a:bodyPr wrap="square" lIns="0" tIns="0" rIns="0" bIns="0" rtlCol="0" anchor="ctr"/>
           <a:lstStyle/>
           <a:p>
-            <a:pPr algn="l" indent="0" marL="0">
+            <a:pPr marL="0" indent="0" algn="l">
               <a:lnSpc>
                 <a:spcPts val="2508"/>
               </a:lnSpc>
               <a:buNone/>
             </a:pPr>
             <a:r>
-              <a:rPr lang="en-US" sz="2280" b="1" spc="114" kern="0" dirty="0">
+              <a:rPr lang="en-US" sz="2280" b="1" kern="0" spc="114" dirty="0">
                 <a:solidFill>
                   <a:srgbClr val="000000">
                     <a:alpha val="99000"/>
@@ -6736,6 +7135,7 @@
         <a:solidFill>
           <a:srgbClr val="EEEEE7"/>
         </a:solidFill>
+        <a:effectLst/>
       </p:bgPr>
     </p:bg>
     <p:spTree>
@@ -6754,15 +7154,15 @@
       </p:grpSpPr>
       <p:pic>
         <p:nvPicPr>
-          <p:cNvPr id="2" name="Image 0" descr="preencoded.png">    </p:cNvPr>
+          <p:cNvPr id="2" name="Image 0" descr="preencoded.png"/>
           <p:cNvPicPr>
             <a:picLocks noChangeAspect="1"/>
           </p:cNvPicPr>
           <p:nvPr/>
         </p:nvPicPr>
         <p:blipFill>
-          <a:blip r:embed="rId1"/>
-          <a:srcRect l="0" r="10623" t="0" b="84224"/>
+          <a:blip r:embed="rId3"/>
+          <a:srcRect r="10623" b="84224"/>
           <a:stretch/>
         </p:blipFill>
         <p:spPr>
@@ -6800,15 +7200,15 @@
       </p:sp>
       <p:pic>
         <p:nvPicPr>
-          <p:cNvPr id="4" name="Image 1" descr="preencoded.png">    </p:cNvPr>
+          <p:cNvPr id="4" name="Image 1" descr="preencoded.png"/>
           <p:cNvPicPr>
             <a:picLocks noChangeAspect="1"/>
           </p:cNvPicPr>
           <p:nvPr/>
         </p:nvPicPr>
         <p:blipFill>
-          <a:blip r:embed="rId2"/>
-          <a:srcRect l="0" r="0" t="0" b="0"/>
+          <a:blip r:embed="rId4"/>
+          <a:srcRect/>
           <a:stretch/>
         </p:blipFill>
         <p:spPr>
@@ -6842,26 +7242,30 @@
           <a:bodyPr wrap="square" lIns="0" tIns="0" rIns="0" bIns="0" rtlCol="0" anchor="ctr"/>
           <a:lstStyle/>
           <a:p>
-            <a:pPr algn="l" indent="0" marL="0">
+            <a:pPr marL="0" indent="0" algn="l">
               <a:lnSpc>
                 <a:spcPts val="1097"/>
               </a:lnSpc>
               <a:buNone/>
             </a:pPr>
             <a:r>
-              <a:rPr lang="en-US" sz="998" spc="-40" kern="0" dirty="0">
+              <a:rPr lang="en-US" sz="1400" b="1" kern="0" spc="-40" dirty="0">
                 <a:solidFill>
                   <a:srgbClr val="1E334C">
                     <a:alpha val="99000"/>
                   </a:srgbClr>
                 </a:solidFill>
-                <a:latin typeface="Unbounded" pitchFamily="34" charset="0"/>
+                <a:latin typeface="Unbounded"/>
                 <a:ea typeface="Unbounded" pitchFamily="34" charset="-122"/>
                 <a:cs typeface="Unbounded" pitchFamily="34" charset="-120"/>
               </a:rPr>
               <a:t>GLASS CEILING</a:t>
             </a:r>
-            <a:endParaRPr lang="en-US" sz="998" dirty="0"/>
+            <a:endParaRPr lang="en-US" sz="1400" b="1">
+              <a:latin typeface="Unbounded"/>
+              <a:ea typeface="Calibri"/>
+              <a:cs typeface="Calibri"/>
+            </a:endParaRPr>
           </a:p>
         </p:txBody>
       </p:sp>
@@ -6886,16 +7290,227 @@
           <a:bodyPr wrap="square" lIns="0" tIns="0" rIns="0" bIns="0" rtlCol="0" anchor="ctr"/>
           <a:lstStyle/>
           <a:p>
-            <a:pPr algn="l" indent="0" marL="0">
+            <a:pPr marL="0" indent="0" algn="l">
               <a:lnSpc>
                 <a:spcPts val="1097"/>
               </a:lnSpc>
               <a:buNone/>
             </a:pPr>
             <a:r>
-              <a:rPr lang="en-US" sz="998" spc="50" kern="0" dirty="0">
+              <a:rPr lang="en-US" sz="1200" kern="0" spc="50" dirty="0">
                 <a:solidFill>
                   <a:srgbClr val="1E334C">
+                    <a:alpha val="99000"/>
+                  </a:srgbClr>
+                </a:solidFill>
+                <a:latin typeface="DM Sans"/>
+                <a:ea typeface="DM Sans" pitchFamily="34" charset="-122"/>
+                <a:cs typeface="DM Sans" pitchFamily="34" charset="-120"/>
+              </a:rPr>
+              <a:t>Invisible barriers block women from executive roles</a:t>
+            </a:r>
+            <a:endParaRPr lang="en-US" sz="1200">
+              <a:latin typeface="DM Sans"/>
+              <a:ea typeface="Calibri"/>
+              <a:cs typeface="Calibri"/>
+            </a:endParaRPr>
+          </a:p>
+        </p:txBody>
+      </p:sp>
+      <p:pic>
+        <p:nvPicPr>
+          <p:cNvPr id="7" name="Image 2" descr="preencoded.png"/>
+          <p:cNvPicPr>
+            <a:picLocks noChangeAspect="1"/>
+          </p:cNvPicPr>
+          <p:nvPr/>
+        </p:nvPicPr>
+        <p:blipFill>
+          <a:blip r:embed="rId5"/>
+          <a:srcRect/>
+          <a:stretch/>
+        </p:blipFill>
+        <p:spPr>
+          <a:xfrm>
+            <a:off x="4267200" y="1414463"/>
+            <a:ext cx="2695575" cy="1671638"/>
+          </a:xfrm>
+          <a:prstGeom prst="rect">
+            <a:avLst/>
+          </a:prstGeom>
+        </p:spPr>
+      </p:pic>
+      <p:sp>
+        <p:nvSpPr>
+          <p:cNvPr id="8" name="Text 3"/>
+          <p:cNvSpPr/>
+          <p:nvPr/>
+        </p:nvSpPr>
+        <p:spPr>
+          <a:xfrm>
+            <a:off x="4267200" y="3257550"/>
+            <a:ext cx="2695575" cy="147638"/>
+          </a:xfrm>
+          <a:prstGeom prst="rect">
+            <a:avLst/>
+          </a:prstGeom>
+          <a:noFill/>
+          <a:ln/>
+        </p:spPr>
+        <p:txBody>
+          <a:bodyPr wrap="square" lIns="0" tIns="0" rIns="0" bIns="0" rtlCol="0" anchor="ctr"/>
+          <a:lstStyle/>
+          <a:p>
+            <a:pPr marL="0" indent="0" algn="l">
+              <a:lnSpc>
+                <a:spcPts val="1097"/>
+              </a:lnSpc>
+              <a:buNone/>
+            </a:pPr>
+            <a:r>
+              <a:rPr lang="en-US" sz="1400" b="1" kern="0" spc="-40" dirty="0">
+                <a:solidFill>
+                  <a:srgbClr val="1E334C">
+                    <a:alpha val="99000"/>
+                  </a:srgbClr>
+                </a:solidFill>
+                <a:latin typeface="Unbounded"/>
+                <a:ea typeface="Unbounded"/>
+                <a:cs typeface="Unbounded" pitchFamily="34" charset="-120"/>
+              </a:rPr>
+              <a:t>SPONSORSHIP &amp; NETWORKING</a:t>
+            </a:r>
+            <a:endParaRPr lang="en-US" sz="1400" b="1">
+              <a:latin typeface="Unbounded"/>
+              <a:ea typeface="Unbounded"/>
+              <a:cs typeface="Calibri"/>
+            </a:endParaRPr>
+          </a:p>
+        </p:txBody>
+      </p:sp>
+      <p:sp>
+        <p:nvSpPr>
+          <p:cNvPr id="9" name="Text 4"/>
+          <p:cNvSpPr/>
+          <p:nvPr/>
+        </p:nvSpPr>
+        <p:spPr>
+          <a:xfrm>
+            <a:off x="4276725" y="3557588"/>
+            <a:ext cx="2695575" cy="295275"/>
+          </a:xfrm>
+          <a:prstGeom prst="rect">
+            <a:avLst/>
+          </a:prstGeom>
+          <a:noFill/>
+          <a:ln/>
+        </p:spPr>
+        <p:txBody>
+          <a:bodyPr wrap="square" lIns="0" tIns="0" rIns="0" bIns="0" rtlCol="0" anchor="ctr"/>
+          <a:lstStyle/>
+          <a:p>
+            <a:pPr marL="0" indent="0" algn="l">
+              <a:lnSpc>
+                <a:spcPts val="1097"/>
+              </a:lnSpc>
+              <a:buNone/>
+            </a:pPr>
+            <a:r>
+              <a:rPr lang="en-US" sz="1200" kern="0" spc="50" dirty="0">
+                <a:solidFill>
+                  <a:srgbClr val="1E334C">
+                    <a:alpha val="99000"/>
+                  </a:srgbClr>
+                </a:solidFill>
+                <a:latin typeface="DM Sans"/>
+                <a:ea typeface="DM Sans" pitchFamily="34" charset="-122"/>
+                <a:cs typeface="DM Sans" pitchFamily="34" charset="-120"/>
+              </a:rPr>
+              <a:t>Few senior leaders advocate for women, limiting opportunities</a:t>
+            </a:r>
+            <a:endParaRPr lang="en-US" sz="1200">
+              <a:latin typeface="DM Sans"/>
+              <a:ea typeface="Calibri"/>
+              <a:cs typeface="Calibri"/>
+            </a:endParaRPr>
+          </a:p>
+        </p:txBody>
+      </p:sp>
+      <p:sp>
+        <p:nvSpPr>
+          <p:cNvPr id="10" name="Text 5"/>
+          <p:cNvSpPr/>
+          <p:nvPr/>
+        </p:nvSpPr>
+        <p:spPr>
+          <a:xfrm>
+            <a:off x="6972300" y="428625"/>
+            <a:ext cx="1866900" cy="95250"/>
+          </a:xfrm>
+          <a:prstGeom prst="rect">
+            <a:avLst/>
+          </a:prstGeom>
+          <a:noFill/>
+          <a:ln/>
+        </p:spPr>
+        <p:txBody>
+          <a:bodyPr wrap="square" lIns="0" tIns="0" rIns="0" bIns="0" rtlCol="0" anchor="ctr"/>
+          <a:lstStyle/>
+          <a:p>
+            <a:pPr marL="0" indent="0" algn="r">
+              <a:lnSpc>
+                <a:spcPts val="705"/>
+              </a:lnSpc>
+              <a:buNone/>
+            </a:pPr>
+            <a:r>
+              <a:rPr lang="en-US" sz="641" kern="0" spc="32" dirty="0">
+                <a:solidFill>
+                  <a:srgbClr val="1E334C">
+                    <a:alpha val="99000"/>
+                  </a:srgbClr>
+                </a:solidFill>
+                <a:latin typeface="DM Mono" pitchFamily="34" charset="0"/>
+                <a:ea typeface="DM Mono" pitchFamily="34" charset="-122"/>
+                <a:cs typeface="DM Mono" pitchFamily="34" charset="-120"/>
+              </a:rPr>
+              <a:t>9</a:t>
+            </a:r>
+            <a:endParaRPr lang="en-US" sz="641" dirty="0"/>
+          </a:p>
+        </p:txBody>
+      </p:sp>
+      <p:sp>
+        <p:nvSpPr>
+          <p:cNvPr id="11" name="Text 6"/>
+          <p:cNvSpPr/>
+          <p:nvPr/>
+        </p:nvSpPr>
+        <p:spPr>
+          <a:xfrm>
+            <a:off x="314325" y="428625"/>
+            <a:ext cx="5095875" cy="666750"/>
+          </a:xfrm>
+          <a:prstGeom prst="rect">
+            <a:avLst/>
+          </a:prstGeom>
+          <a:noFill/>
+          <a:ln/>
+        </p:spPr>
+        <p:txBody>
+          <a:bodyPr wrap="square" lIns="0" tIns="0" rIns="0" bIns="0" rtlCol="0" anchor="ctr"/>
+          <a:lstStyle/>
+          <a:p>
+            <a:pPr marL="0" indent="0" algn="l">
+              <a:lnSpc>
+                <a:spcPts val="2508"/>
+              </a:lnSpc>
+              <a:buNone/>
+            </a:pPr>
+            <a:r>
+              <a:rPr lang="en-US" sz="2280" b="1" kern="0" spc="114" dirty="0">
+                <a:solidFill>
+                  <a:srgbClr val="000000">
                     <a:alpha val="99000"/>
                   </a:srgbClr>
                 </a:solidFill>
@@ -6903,307 +7518,102 @@
                 <a:ea typeface="DM Sans" pitchFamily="34" charset="-122"/>
                 <a:cs typeface="DM Sans" pitchFamily="34" charset="-120"/>
               </a:rPr>
-              <a:t>Invisible barriers block women from executive roles</a:t>
-            </a:r>
-            <a:endParaRPr lang="en-US" sz="998" dirty="0"/>
+              <a:t>Stage 5: Senior Leadership – The Glass Ceiling</a:t>
+            </a:r>
+            <a:endParaRPr lang="en-US" sz="2280" dirty="0"/>
+          </a:p>
+        </p:txBody>
+      </p:sp>
+      <p:sp>
+        <p:nvSpPr>
+          <p:cNvPr id="12" name="Text 7"/>
+          <p:cNvSpPr/>
+          <p:nvPr/>
+        </p:nvSpPr>
+        <p:spPr>
+          <a:xfrm>
+            <a:off x="7296150" y="1657350"/>
+            <a:ext cx="1728788" cy="1333500"/>
+          </a:xfrm>
+          <a:prstGeom prst="rect">
+            <a:avLst/>
+          </a:prstGeom>
+          <a:noFill/>
+          <a:ln/>
+        </p:spPr>
+        <p:txBody>
+          <a:bodyPr wrap="square" lIns="0" tIns="0" rIns="0" bIns="0" rtlCol="0" anchor="ctr"/>
+          <a:lstStyle/>
+          <a:p>
+            <a:pPr marL="0" indent="0" algn="l">
+              <a:lnSpc>
+                <a:spcPts val="1264"/>
+              </a:lnSpc>
+              <a:buNone/>
+            </a:pPr>
+            <a:r>
+              <a:rPr lang="en-US" sz="1149" b="1" kern="0" spc="57" dirty="0">
+                <a:solidFill>
+                  <a:srgbClr val="000000">
+                    <a:alpha val="99000"/>
+                  </a:srgbClr>
+                </a:solidFill>
+                <a:latin typeface="DM Sans" pitchFamily="34" charset="0"/>
+                <a:ea typeface="DM Sans" pitchFamily="34" charset="-122"/>
+                <a:cs typeface="DM Sans" pitchFamily="34" charset="-120"/>
+              </a:rPr>
+              <a:t>Cumulative Impact</a:t>
+            </a:r>
+            <a:r>
+              <a:rPr lang="en-US" sz="1149" kern="0" spc="57" dirty="0">
+                <a:solidFill>
+                  <a:srgbClr val="000000">
+                    <a:alpha val="99000"/>
+                  </a:srgbClr>
+                </a:solidFill>
+                <a:latin typeface="DM Sans" pitchFamily="34" charset="0"/>
+                <a:ea typeface="DM Sans" pitchFamily="34" charset="-122"/>
+                <a:cs typeface="DM Sans" pitchFamily="34" charset="-120"/>
+              </a:rPr>
+              <a:t>:</a:t>
+            </a:r>
+            <a:endParaRPr lang="en-US" sz="1149" dirty="0"/>
+          </a:p>
+          <a:p>
+            <a:pPr marL="0" indent="0" algn="l">
+              <a:lnSpc>
+                <a:spcPts val="1264"/>
+              </a:lnSpc>
+              <a:buNone/>
+            </a:pPr>
+            <a:r>
+              <a:rPr lang="en-US" sz="1149" kern="0" spc="57" dirty="0">
+                <a:solidFill>
+                  <a:srgbClr val="000000">
+                    <a:alpha val="99000"/>
+                  </a:srgbClr>
+                </a:solidFill>
+                <a:latin typeface="DM Sans" pitchFamily="34" charset="0"/>
+                <a:ea typeface="DM Sans" pitchFamily="34" charset="-122"/>
+                <a:cs typeface="DM Sans" pitchFamily="34" charset="-120"/>
+              </a:rPr>
+              <a:t>Attrition and systemic bias drastically reduce female representation in top leadership</a:t>
+            </a:r>
+            <a:endParaRPr lang="en-US" sz="1149" dirty="0"/>
           </a:p>
         </p:txBody>
       </p:sp>
       <p:pic>
         <p:nvPicPr>
-          <p:cNvPr id="7" name="Image 2" descr="preencoded.png">    </p:cNvPr>
+          <p:cNvPr id="13" name="Image 3" descr="preencoded.png"/>
           <p:cNvPicPr>
             <a:picLocks noChangeAspect="1"/>
           </p:cNvPicPr>
           <p:nvPr/>
         </p:nvPicPr>
         <p:blipFill>
-          <a:blip r:embed="rId3"/>
-          <a:srcRect l="0" r="0" t="0" b="0"/>
-          <a:stretch/>
-        </p:blipFill>
-        <p:spPr>
-          <a:xfrm>
-            <a:off x="4267200" y="1414463"/>
-            <a:ext cx="2695575" cy="1671638"/>
-          </a:xfrm>
-          <a:prstGeom prst="rect">
-            <a:avLst/>
-          </a:prstGeom>
-        </p:spPr>
-      </p:pic>
-      <p:sp>
-        <p:nvSpPr>
-          <p:cNvPr id="8" name="Text 3"/>
-          <p:cNvSpPr/>
-          <p:nvPr/>
-        </p:nvSpPr>
-        <p:spPr>
-          <a:xfrm>
-            <a:off x="4267200" y="3257550"/>
-            <a:ext cx="2695575" cy="147638"/>
-          </a:xfrm>
-          <a:prstGeom prst="rect">
-            <a:avLst/>
-          </a:prstGeom>
-          <a:noFill/>
-          <a:ln/>
-        </p:spPr>
-        <p:txBody>
-          <a:bodyPr wrap="square" lIns="0" tIns="0" rIns="0" bIns="0" rtlCol="0" anchor="ctr"/>
-          <a:lstStyle/>
-          <a:p>
-            <a:pPr algn="l" indent="0" marL="0">
-              <a:lnSpc>
-                <a:spcPts val="1097"/>
-              </a:lnSpc>
-              <a:buNone/>
-            </a:pPr>
-            <a:r>
-              <a:rPr lang="en-US" sz="998" spc="-40" kern="0" dirty="0">
-                <a:solidFill>
-                  <a:srgbClr val="1E334C">
-                    <a:alpha val="99000"/>
-                  </a:srgbClr>
-                </a:solidFill>
-                <a:latin typeface="Unbounded" pitchFamily="34" charset="0"/>
-                <a:ea typeface="Unbounded" pitchFamily="34" charset="-122"/>
-                <a:cs typeface="Unbounded" pitchFamily="34" charset="-120"/>
-              </a:rPr>
-              <a:t>SPONSORSHIP &amp; NETWORKING</a:t>
-            </a:r>
-            <a:endParaRPr lang="en-US" sz="998" dirty="0"/>
-          </a:p>
-        </p:txBody>
-      </p:sp>
-      <p:sp>
-        <p:nvSpPr>
-          <p:cNvPr id="9" name="Text 4"/>
-          <p:cNvSpPr/>
-          <p:nvPr/>
-        </p:nvSpPr>
-        <p:spPr>
-          <a:xfrm>
-            <a:off x="4276725" y="3557588"/>
-            <a:ext cx="2695575" cy="295275"/>
-          </a:xfrm>
-          <a:prstGeom prst="rect">
-            <a:avLst/>
-          </a:prstGeom>
-          <a:noFill/>
-          <a:ln/>
-        </p:spPr>
-        <p:txBody>
-          <a:bodyPr wrap="square" lIns="0" tIns="0" rIns="0" bIns="0" rtlCol="0" anchor="ctr"/>
-          <a:lstStyle/>
-          <a:p>
-            <a:pPr algn="l" indent="0" marL="0">
-              <a:lnSpc>
-                <a:spcPts val="1097"/>
-              </a:lnSpc>
-              <a:buNone/>
-            </a:pPr>
-            <a:r>
-              <a:rPr lang="en-US" sz="998" spc="50" kern="0" dirty="0">
-                <a:solidFill>
-                  <a:srgbClr val="1E334C">
-                    <a:alpha val="99000"/>
-                  </a:srgbClr>
-                </a:solidFill>
-                <a:latin typeface="DM Sans" pitchFamily="34" charset="0"/>
-                <a:ea typeface="DM Sans" pitchFamily="34" charset="-122"/>
-                <a:cs typeface="DM Sans" pitchFamily="34" charset="-120"/>
-              </a:rPr>
-              <a:t>Few senior leaders advocate for women, limiting opportunities</a:t>
-            </a:r>
-            <a:endParaRPr lang="en-US" sz="998" dirty="0"/>
-          </a:p>
-        </p:txBody>
-      </p:sp>
-      <p:sp>
-        <p:nvSpPr>
-          <p:cNvPr id="10" name="Text 5"/>
-          <p:cNvSpPr/>
-          <p:nvPr/>
-        </p:nvSpPr>
-        <p:spPr>
-          <a:xfrm>
-            <a:off x="6972300" y="428625"/>
-            <a:ext cx="1866900" cy="95250"/>
-          </a:xfrm>
-          <a:prstGeom prst="rect">
-            <a:avLst/>
-          </a:prstGeom>
-          <a:noFill/>
-          <a:ln/>
-        </p:spPr>
-        <p:txBody>
-          <a:bodyPr wrap="square" lIns="0" tIns="0" rIns="0" bIns="0" rtlCol="0" anchor="ctr"/>
-          <a:lstStyle/>
-          <a:p>
-            <a:pPr algn="r" indent="0" marL="0">
-              <a:lnSpc>
-                <a:spcPts val="705"/>
-              </a:lnSpc>
-              <a:buNone/>
-            </a:pPr>
-            <a:r>
-              <a:rPr lang="en-US" sz="641" spc="32" kern="0" dirty="0">
-                <a:solidFill>
-                  <a:srgbClr val="1E334C">
-                    <a:alpha val="99000"/>
-                  </a:srgbClr>
-                </a:solidFill>
-                <a:latin typeface="DM Mono" pitchFamily="34" charset="0"/>
-                <a:ea typeface="DM Mono" pitchFamily="34" charset="-122"/>
-                <a:cs typeface="DM Mono" pitchFamily="34" charset="-120"/>
-              </a:rPr>
-              <a:t>9</a:t>
-            </a:r>
-            <a:endParaRPr lang="en-US" sz="641" dirty="0"/>
-          </a:p>
-        </p:txBody>
-      </p:sp>
-      <p:sp>
-        <p:nvSpPr>
-          <p:cNvPr id="11" name="Text 6"/>
-          <p:cNvSpPr/>
-          <p:nvPr/>
-        </p:nvSpPr>
-        <p:spPr>
-          <a:xfrm>
-            <a:off x="314325" y="428625"/>
-            <a:ext cx="5095875" cy="666750"/>
-          </a:xfrm>
-          <a:prstGeom prst="rect">
-            <a:avLst/>
-          </a:prstGeom>
-          <a:noFill/>
-          <a:ln/>
-        </p:spPr>
-        <p:txBody>
-          <a:bodyPr wrap="square" lIns="0" tIns="0" rIns="0" bIns="0" rtlCol="0" anchor="ctr"/>
-          <a:lstStyle/>
-          <a:p>
-            <a:pPr algn="l" indent="0" marL="0">
-              <a:lnSpc>
-                <a:spcPts val="2508"/>
-              </a:lnSpc>
-              <a:buNone/>
-            </a:pPr>
-            <a:r>
-              <a:rPr lang="en-US" sz="2280" b="1" spc="114" kern="0" dirty="0">
-                <a:solidFill>
-                  <a:srgbClr val="000000">
-                    <a:alpha val="99000"/>
-                  </a:srgbClr>
-                </a:solidFill>
-                <a:latin typeface="DM Sans" pitchFamily="34" charset="0"/>
-                <a:ea typeface="DM Sans" pitchFamily="34" charset="-122"/>
-                <a:cs typeface="DM Sans" pitchFamily="34" charset="-120"/>
-              </a:rPr>
-              <a:t>Stage 5: Senior Leadership – The Glass Ceiling</a:t>
-            </a:r>
-            <a:endParaRPr lang="en-US" sz="2280" dirty="0"/>
-          </a:p>
-        </p:txBody>
-      </p:sp>
-      <p:sp>
-        <p:nvSpPr>
-          <p:cNvPr id="12" name="Text 7"/>
-          <p:cNvSpPr/>
-          <p:nvPr/>
-        </p:nvSpPr>
-        <p:spPr>
-          <a:xfrm>
-            <a:off x="7296150" y="1657350"/>
-            <a:ext cx="1728788" cy="1333500"/>
-          </a:xfrm>
-          <a:prstGeom prst="rect">
-            <a:avLst/>
-          </a:prstGeom>
-          <a:noFill/>
-          <a:ln/>
-        </p:spPr>
-        <p:txBody>
-          <a:bodyPr wrap="square" lIns="0" tIns="0" rIns="0" bIns="0" rtlCol="0" anchor="ctr"/>
-          <a:lstStyle/>
-          <a:p>
-            <a:pPr algn="l" indent="0" marL="0">
-              <a:lnSpc>
-                <a:spcPts val="1264"/>
-              </a:lnSpc>
-              <a:buNone/>
-            </a:pPr>
-            <a:r>
-              <a:rPr lang="en-US" sz="1149" b="1" spc="57" kern="0" dirty="0">
-                <a:solidFill>
-                  <a:srgbClr val="000000">
-                    <a:alpha val="99000"/>
-                  </a:srgbClr>
-                </a:solidFill>
-                <a:latin typeface="DM Sans" pitchFamily="34" charset="0"/>
-                <a:ea typeface="DM Sans" pitchFamily="34" charset="-122"/>
-                <a:cs typeface="DM Sans" pitchFamily="34" charset="-120"/>
-              </a:rPr>
-              <a:t>Cumulative Impact</a:t>
-            </a:r>
-            <a:pPr algn="l" indent="0" marL="0">
-              <a:lnSpc>
-                <a:spcPts val="1264"/>
-              </a:lnSpc>
-              <a:buNone/>
-            </a:pPr>
-            <a:r>
-              <a:rPr lang="en-US" sz="1149" spc="57" kern="0" dirty="0">
-                <a:solidFill>
-                  <a:srgbClr val="000000">
-                    <a:alpha val="99000"/>
-                  </a:srgbClr>
-                </a:solidFill>
-                <a:latin typeface="DM Sans" pitchFamily="34" charset="0"/>
-                <a:ea typeface="DM Sans" pitchFamily="34" charset="-122"/>
-                <a:cs typeface="DM Sans" pitchFamily="34" charset="-120"/>
-              </a:rPr>
-              <a:t>:</a:t>
-            </a:r>
-            <a:endParaRPr lang="en-US" sz="1149" dirty="0"/>
-          </a:p>
-          <a:p>
-            <a:pPr algn="l" indent="0" marL="0">
-              <a:lnSpc>
-                <a:spcPts val="1264"/>
-              </a:lnSpc>
-              <a:buNone/>
-            </a:pPr>
-            <a:r>
-              <a:rPr lang="en-US" sz="1149" spc="57" kern="0" dirty="0">
-                <a:solidFill>
-                  <a:srgbClr val="000000">
-                    <a:alpha val="99000"/>
-                  </a:srgbClr>
-                </a:solidFill>
-                <a:latin typeface="DM Sans" pitchFamily="34" charset="0"/>
-                <a:ea typeface="DM Sans" pitchFamily="34" charset="-122"/>
-                <a:cs typeface="DM Sans" pitchFamily="34" charset="-120"/>
-              </a:rPr>
-              <a:t>Attrition and systemic bias drastically reduce female representation in top leadership</a:t>
-            </a:r>
-            <a:endParaRPr lang="en-US" sz="1149" dirty="0"/>
-          </a:p>
-        </p:txBody>
-      </p:sp>
-      <p:pic>
-        <p:nvPicPr>
-          <p:cNvPr id="13" name="Image 3" descr="preencoded.png">    </p:cNvPr>
-          <p:cNvPicPr>
-            <a:picLocks noChangeAspect="1"/>
-          </p:cNvPicPr>
-          <p:nvPr/>
-        </p:nvPicPr>
-        <p:blipFill>
-          <a:blip r:embed="rId4"/>
-          <a:srcRect l="0" r="8946" t="0" b="0"/>
+          <a:blip r:embed="rId6"/>
+          <a:srcRect r="8946"/>
           <a:stretch/>
         </p:blipFill>
         <p:spPr>
@@ -7517,4 +7927,299 @@
     </a:ext>
   </a:extLst>
 </a:theme>
+</file>
+
+<file path=ppt/theme/theme2.xml><?xml version="1.0" encoding="utf-8"?>
+<a:theme xmlns:a="http://schemas.openxmlformats.org/drawingml/2006/main" name="Office Theme">
+  <a:themeElements>
+    <a:clrScheme name="Office">
+      <a:dk1>
+        <a:sysClr val="windowText" lastClr="000000"/>
+      </a:dk1>
+      <a:lt1>
+        <a:sysClr val="window" lastClr="FFFFFF"/>
+      </a:lt1>
+      <a:dk2>
+        <a:srgbClr val="44546A"/>
+      </a:dk2>
+      <a:lt2>
+        <a:srgbClr val="E7E6E6"/>
+      </a:lt2>
+      <a:accent1>
+        <a:srgbClr val="4472C4"/>
+      </a:accent1>
+      <a:accent2>
+        <a:srgbClr val="ED7D31"/>
+      </a:accent2>
+      <a:accent3>
+        <a:srgbClr val="A5A5A5"/>
+      </a:accent3>
+      <a:accent4>
+        <a:srgbClr val="FFC000"/>
+      </a:accent4>
+      <a:accent5>
+        <a:srgbClr val="5B9BD5"/>
+      </a:accent5>
+      <a:accent6>
+        <a:srgbClr val="70AD47"/>
+      </a:accent6>
+      <a:hlink>
+        <a:srgbClr val="0563C1"/>
+      </a:hlink>
+      <a:folHlink>
+        <a:srgbClr val="954F72"/>
+      </a:folHlink>
+    </a:clrScheme>
+    <a:fontScheme name="Office">
+      <a:majorFont>
+        <a:latin typeface="Calibri Light" panose="020F0302020204030204"/>
+        <a:ea typeface=""/>
+        <a:cs typeface=""/>
+        <a:font script="Jpan" typeface="游ゴシック Light"/>
+        <a:font script="Hang" typeface="맑은 고딕"/>
+        <a:font script="Hans" typeface="等线 Light"/>
+        <a:font script="Hant" typeface="新細明體"/>
+        <a:font script="Arab" typeface="Times New Roman"/>
+        <a:font script="Hebr" typeface="Times New Roman"/>
+        <a:font script="Thai" typeface="Angsana New"/>
+        <a:font script="Ethi" typeface="Nyala"/>
+        <a:font script="Beng" typeface="Vrinda"/>
+        <a:font script="Gujr" typeface="Shruti"/>
+        <a:font script="Khmr" typeface="MoolBoran"/>
+        <a:font script="Knda" typeface="Tunga"/>
+        <a:font script="Guru" typeface="Raavi"/>
+        <a:font script="Cans" typeface="Euphemia"/>
+        <a:font script="Cher" typeface="Plantagenet Cherokee"/>
+        <a:font script="Yiii" typeface="Microsoft Yi Baiti"/>
+        <a:font script="Tibt" typeface="Microsoft Himalaya"/>
+        <a:font script="Thaa" typeface="MV Boli"/>
+        <a:font script="Deva" typeface="Mangal"/>
+        <a:font script="Telu" typeface="Gautami"/>
+        <a:font script="Taml" typeface="Latha"/>
+        <a:font script="Syrc" typeface="Estrangelo Edessa"/>
+        <a:font script="Orya" typeface="Kalinga"/>
+        <a:font script="Mlym" typeface="Kartika"/>
+        <a:font script="Laoo" typeface="DokChampa"/>
+        <a:font script="Sinh" typeface="Iskoola Pota"/>
+        <a:font script="Mong" typeface="Mongolian Baiti"/>
+        <a:font script="Viet" typeface="Times New Roman"/>
+        <a:font script="Uigh" typeface="Microsoft Uighur"/>
+        <a:font script="Geor" typeface="Sylfaen"/>
+        <a:font script="Armn" typeface="Arial"/>
+        <a:font script="Bugi" typeface="Leelawadee UI"/>
+        <a:font script="Bopo" typeface="Microsoft JhengHei"/>
+        <a:font script="Java" typeface="Javanese Text"/>
+        <a:font script="Lisu" typeface="Segoe UI"/>
+        <a:font script="Mymr" typeface="Myanmar Text"/>
+        <a:font script="Nkoo" typeface="Ebrima"/>
+        <a:font script="Olck" typeface="Nirmala UI"/>
+        <a:font script="Osma" typeface="Ebrima"/>
+        <a:font script="Phag" typeface="Phagspa"/>
+        <a:font script="Syrn" typeface="Estrangelo Edessa"/>
+        <a:font script="Syrj" typeface="Estrangelo Edessa"/>
+        <a:font script="Syre" typeface="Estrangelo Edessa"/>
+        <a:font script="Sora" typeface="Nirmala UI"/>
+        <a:font script="Tale" typeface="Microsoft Tai Le"/>
+        <a:font script="Talu" typeface="Microsoft New Tai Lue"/>
+        <a:font script="Tfng" typeface="Ebrima"/>
+      </a:majorFont>
+      <a:minorFont>
+        <a:latin typeface="Calibri" panose="020F0502020204030204"/>
+        <a:ea typeface=""/>
+        <a:cs typeface=""/>
+        <a:font script="Jpan" typeface="游ゴシック"/>
+        <a:font script="Hang" typeface="맑은 고딕"/>
+        <a:font script="Hans" typeface="等线"/>
+        <a:font script="Hant" typeface="新細明體"/>
+        <a:font script="Arab" typeface="Arial"/>
+        <a:font script="Hebr" typeface="Arial"/>
+        <a:font script="Thai" typeface="Cordia New"/>
+        <a:font script="Ethi" typeface="Nyala"/>
+        <a:font script="Beng" typeface="Vrinda"/>
+        <a:font script="Gujr" typeface="Shruti"/>
+        <a:font script="Khmr" typeface="DaunPenh"/>
+        <a:font script="Knda" typeface="Tunga"/>
+        <a:font script="Guru" typeface="Raavi"/>
+        <a:font script="Cans" typeface="Euphemia"/>
+        <a:font script="Cher" typeface="Plantagenet Cherokee"/>
+        <a:font script="Yiii" typeface="Microsoft Yi Baiti"/>
+        <a:font script="Tibt" typeface="Microsoft Himalaya"/>
+        <a:font script="Thaa" typeface="MV Boli"/>
+        <a:font script="Deva" typeface="Mangal"/>
+        <a:font script="Telu" typeface="Gautami"/>
+        <a:font script="Taml" typeface="Latha"/>
+        <a:font script="Syrc" typeface="Estrangelo Edessa"/>
+        <a:font script="Orya" typeface="Kalinga"/>
+        <a:font script="Mlym" typeface="Kartika"/>
+        <a:font script="Laoo" typeface="DokChampa"/>
+        <a:font script="Sinh" typeface="Iskoola Pota"/>
+        <a:font script="Mong" typeface="Mongolian Baiti"/>
+        <a:font script="Viet" typeface="Arial"/>
+        <a:font script="Uigh" typeface="Microsoft Uighur"/>
+        <a:font script="Geor" typeface="Sylfaen"/>
+        <a:font script="Armn" typeface="Arial"/>
+        <a:font script="Bugi" typeface="Leelawadee UI"/>
+        <a:font script="Bopo" typeface="Microsoft JhengHei"/>
+        <a:font script="Java" typeface="Javanese Text"/>
+        <a:font script="Lisu" typeface="Segoe UI"/>
+        <a:font script="Mymr" typeface="Myanmar Text"/>
+        <a:font script="Nkoo" typeface="Ebrima"/>
+        <a:font script="Olck" typeface="Nirmala UI"/>
+        <a:font script="Osma" typeface="Ebrima"/>
+        <a:font script="Phag" typeface="Phagspa"/>
+        <a:font script="Syrn" typeface="Estrangelo Edessa"/>
+        <a:font script="Syrj" typeface="Estrangelo Edessa"/>
+        <a:font script="Syre" typeface="Estrangelo Edessa"/>
+        <a:font script="Sora" typeface="Nirmala UI"/>
+        <a:font script="Tale" typeface="Microsoft Tai Le"/>
+        <a:font script="Talu" typeface="Microsoft New Tai Lue"/>
+        <a:font script="Tfng" typeface="Ebrima"/>
+      </a:minorFont>
+    </a:fontScheme>
+    <a:fmtScheme name="Office">
+      <a:fillStyleLst>
+        <a:solidFill>
+          <a:schemeClr val="phClr"/>
+        </a:solidFill>
+        <a:gradFill rotWithShape="1">
+          <a:gsLst>
+            <a:gs pos="0">
+              <a:schemeClr val="phClr">
+                <a:lumMod val="110000"/>
+                <a:satMod val="105000"/>
+                <a:tint val="67000"/>
+              </a:schemeClr>
+            </a:gs>
+            <a:gs pos="50000">
+              <a:schemeClr val="phClr">
+                <a:lumMod val="105000"/>
+                <a:satMod val="103000"/>
+                <a:tint val="73000"/>
+              </a:schemeClr>
+            </a:gs>
+            <a:gs pos="100000">
+              <a:schemeClr val="phClr">
+                <a:lumMod val="105000"/>
+                <a:satMod val="109000"/>
+                <a:tint val="81000"/>
+              </a:schemeClr>
+            </a:gs>
+          </a:gsLst>
+          <a:lin ang="5400000" scaled="0"/>
+        </a:gradFill>
+        <a:gradFill rotWithShape="1">
+          <a:gsLst>
+            <a:gs pos="0">
+              <a:schemeClr val="phClr">
+                <a:satMod val="103000"/>
+                <a:lumMod val="102000"/>
+                <a:tint val="94000"/>
+              </a:schemeClr>
+            </a:gs>
+            <a:gs pos="50000">
+              <a:schemeClr val="phClr">
+                <a:satMod val="110000"/>
+                <a:lumMod val="100000"/>
+                <a:shade val="100000"/>
+              </a:schemeClr>
+            </a:gs>
+            <a:gs pos="100000">
+              <a:schemeClr val="phClr">
+                <a:lumMod val="99000"/>
+                <a:satMod val="120000"/>
+                <a:shade val="78000"/>
+              </a:schemeClr>
+            </a:gs>
+          </a:gsLst>
+          <a:lin ang="5400000" scaled="0"/>
+        </a:gradFill>
+      </a:fillStyleLst>
+      <a:lnStyleLst>
+        <a:ln w="6350" cap="flat" cmpd="sng" algn="ctr">
+          <a:solidFill>
+            <a:schemeClr val="phClr"/>
+          </a:solidFill>
+          <a:prstDash val="solid"/>
+          <a:miter lim="800000"/>
+        </a:ln>
+        <a:ln w="12700" cap="flat" cmpd="sng" algn="ctr">
+          <a:solidFill>
+            <a:schemeClr val="phClr"/>
+          </a:solidFill>
+          <a:prstDash val="solid"/>
+          <a:miter lim="800000"/>
+        </a:ln>
+        <a:ln w="19050" cap="flat" cmpd="sng" algn="ctr">
+          <a:solidFill>
+            <a:schemeClr val="phClr"/>
+          </a:solidFill>
+          <a:prstDash val="solid"/>
+          <a:miter lim="800000"/>
+        </a:ln>
+      </a:lnStyleLst>
+      <a:effectStyleLst>
+        <a:effectStyle>
+          <a:effectLst/>
+        </a:effectStyle>
+        <a:effectStyle>
+          <a:effectLst/>
+        </a:effectStyle>
+        <a:effectStyle>
+          <a:effectLst>
+            <a:outerShdw blurRad="57150" dist="19050" dir="5400000" algn="ctr" rotWithShape="0">
+              <a:srgbClr val="000000">
+                <a:alpha val="63000"/>
+              </a:srgbClr>
+            </a:outerShdw>
+          </a:effectLst>
+        </a:effectStyle>
+      </a:effectStyleLst>
+      <a:bgFillStyleLst>
+        <a:solidFill>
+          <a:schemeClr val="phClr"/>
+        </a:solidFill>
+        <a:solidFill>
+          <a:schemeClr val="phClr">
+            <a:tint val="95000"/>
+            <a:satMod val="170000"/>
+          </a:schemeClr>
+        </a:solidFill>
+        <a:gradFill rotWithShape="1">
+          <a:gsLst>
+            <a:gs pos="0">
+              <a:schemeClr val="phClr">
+                <a:tint val="93000"/>
+                <a:satMod val="150000"/>
+                <a:shade val="98000"/>
+                <a:lumMod val="102000"/>
+              </a:schemeClr>
+            </a:gs>
+            <a:gs pos="50000">
+              <a:schemeClr val="phClr">
+                <a:tint val="98000"/>
+                <a:satMod val="130000"/>
+                <a:shade val="90000"/>
+                <a:lumMod val="103000"/>
+              </a:schemeClr>
+            </a:gs>
+            <a:gs pos="100000">
+              <a:schemeClr val="phClr">
+                <a:shade val="63000"/>
+                <a:satMod val="120000"/>
+              </a:schemeClr>
+            </a:gs>
+          </a:gsLst>
+          <a:lin ang="5400000" scaled="0"/>
+        </a:gradFill>
+      </a:bgFillStyleLst>
+    </a:fmtScheme>
+  </a:themeElements>
+  <a:objectDefaults/>
+  <a:extraClrSchemeLst/>
+  <a:extLst>
+    <a:ext uri="{05A4C25C-085E-4340-85A3-A5531E510DB2}">
+      <thm15:themeFamily xmlns:thm15="http://schemas.microsoft.com/office/thememl/2012/main" name="Office Theme" id="{62F939B6-93AF-4DB8-9C6B-D6C7DFDC589F}" vid="{4A3C46E8-61CC-4603-A589-7422A47A8E4A}"/>
+    </a:ext>
+  </a:extLst>
+</a:theme>
 </file>
--- a/Presentation.pptx
+++ b/Presentation.pptx
@@ -126,7 +126,7 @@
 <file path=ppt/revisionInfo.xml><?xml version="1.0" encoding="utf-8"?>
 <p1510:revInfo xmlns:a="http://schemas.openxmlformats.org/drawingml/2006/main" xmlns:r="http://schemas.openxmlformats.org/officeDocument/2006/relationships" xmlns:p1510="http://schemas.microsoft.com/office/powerpoint/2015/10/main">
   <p1510:revLst>
-    <p1510:client id="{C24A983A-936A-4FE4-A137-A7253146ECF0}" v="69" dt="2026-02-22T05:47:10.844"/>
+    <p1510:client id="{C24A983A-936A-4FE4-A137-A7253146ECF0}" v="83" dt="2026-02-22T05:50:48.512"/>
   </p1510:revLst>
 </p1510:revInfo>
 </file>
@@ -4277,7 +4277,7 @@
           <p:nvPr>
             <p:extLst>
               <p:ext uri="{D42A27DB-BD31-4B8C-83A1-F6EECF244321}">
-                <p14:modId xmlns:p14="http://schemas.microsoft.com/office/powerpoint/2010/main" val="1579011935"/>
+                <p14:modId xmlns:p14="http://schemas.microsoft.com/office/powerpoint/2010/main" val="89147908"/>
               </p:ext>
             </p:extLst>
           </p:nvPr>
@@ -4464,19 +4464,16 @@
                         <a:buNone/>
                       </a:pPr>
                       <a:r>
-                        <a:rPr lang="en-US" sz="1425" b="1" kern="0" spc="-28" dirty="0">
+                        <a:rPr lang="en-US" sz="1400" b="1" kern="0" spc="-28" dirty="0">
                           <a:solidFill>
                             <a:srgbClr val="000000">
                               <a:alpha val="99000"/>
                             </a:srgbClr>
                           </a:solidFill>
-                          <a:latin typeface="IBM Plex Sans" pitchFamily="34" charset="0"/>
-                          <a:ea typeface="IBM Plex Sans" pitchFamily="34" charset="-122"/>
-                          <a:cs typeface="IBM Plex Sans" pitchFamily="34" charset="-120"/>
+                          <a:latin typeface="IBM Plex Sans"/>
                         </a:rPr>
-                        <a:t>Visual</a:t>
+                        <a:t>Source</a:t>
                       </a:r>
-                      <a:endParaRPr lang="en-US" sz="1200" dirty="0"/>
                     </a:p>
                   </a:txBody>
                   <a:tcPr>
